--- a/Final Project(1).pptx
+++ b/Final Project(1).pptx
@@ -5,25 +5,26 @@
     <p:sldMasterId id="2147483648" r:id="rId1"/>
   </p:sldMasterIdLst>
   <p:notesMasterIdLst>
-    <p:notesMasterId r:id="rId15"/>
+    <p:notesMasterId r:id="rId17"/>
   </p:notesMasterIdLst>
   <p:handoutMasterIdLst>
-    <p:handoutMasterId r:id="rId16"/>
+    <p:handoutMasterId r:id="rId18"/>
   </p:handoutMasterIdLst>
   <p:sldIdLst>
-    <p:sldId id="262" r:id="rId2"/>
-    <p:sldId id="260" r:id="rId3"/>
-    <p:sldId id="258" r:id="rId4"/>
-    <p:sldId id="259" r:id="rId5"/>
-    <p:sldId id="267" r:id="rId6"/>
-    <p:sldId id="263" r:id="rId7"/>
-    <p:sldId id="269" r:id="rId8"/>
-    <p:sldId id="270" r:id="rId9"/>
-    <p:sldId id="264" r:id="rId10"/>
-    <p:sldId id="268" r:id="rId11"/>
-    <p:sldId id="265" r:id="rId12"/>
-    <p:sldId id="275" r:id="rId13"/>
-    <p:sldId id="266" r:id="rId14"/>
+    <p:sldId id="262" r:id="rId3"/>
+    <p:sldId id="260" r:id="rId4"/>
+    <p:sldId id="258" r:id="rId5"/>
+    <p:sldId id="276" r:id="rId6"/>
+    <p:sldId id="259" r:id="rId7"/>
+    <p:sldId id="267" r:id="rId8"/>
+    <p:sldId id="263" r:id="rId9"/>
+    <p:sldId id="269" r:id="rId10"/>
+    <p:sldId id="264" r:id="rId11"/>
+    <p:sldId id="268" r:id="rId12"/>
+    <p:sldId id="270" r:id="rId13"/>
+    <p:sldId id="265" r:id="rId14"/>
+    <p:sldId id="275" r:id="rId15"/>
+    <p:sldId id="266" r:id="rId16"/>
   </p:sldIdLst>
   <p:sldSz cx="12192000" cy="6858000"/>
   <p:notesSz cx="6858000" cy="9144000"/>
@@ -122,30 +123,11 @@
       </a:defRPr>
     </a:lvl9pPr>
   </p:defaultTextStyle>
-  <p:extLst>
-    <p:ext uri="{EFAFB233-063F-42B5-8137-9DF3F51BA10A}">
-      <p15:sldGuideLst xmlns:p15="http://schemas.microsoft.com/office/powerpoint/2012/main">
-        <p15:guide id="1" orient="horz" pos="2160">
-          <p15:clr>
-            <a:srgbClr val="A4A3A4"/>
-          </p15:clr>
-        </p15:guide>
-        <p15:guide id="2" pos="3840">
-          <p15:clr>
-            <a:srgbClr val="A4A3A4"/>
-          </p15:clr>
-        </p15:guide>
-      </p15:sldGuideLst>
-    </p:ext>
-    <p:ext uri="{2D200454-40CA-4A62-9FC3-DE9A4176ACB9}">
-      <p15:notesGuideLst xmlns:p15="http://schemas.microsoft.com/office/powerpoint/2012/main"/>
-    </p:ext>
-  </p:extLst>
 </p:presentation>
 </file>
 
 <file path=ppt/diagrams/colors1.xml><?xml version="1.0" encoding="utf-8"?>
-<dgm:colorsDef xmlns:dgm="http://schemas.openxmlformats.org/drawingml/2006/diagram" xmlns:a="http://schemas.openxmlformats.org/drawingml/2006/main" uniqueId="urn:microsoft.com/office/officeart/2005/8/colors/accent0_2#1">
+<dgm:colorsDef xmlns:dgm="http://schemas.openxmlformats.org/drawingml/2006/diagram" xmlns:a="http://schemas.openxmlformats.org/drawingml/2006/main" uniqueId="urn:microsoft.com/office/officeart/2005/8/colors/accent0_2">
   <dgm:title val=""/>
   <dgm:desc val=""/>
   <dgm:catLst>
@@ -952,7 +934,7 @@
 </file>
 
 <file path=ppt/diagrams/colors2.xml><?xml version="1.0" encoding="utf-8"?>
-<dgm:colorsDef xmlns:dgm="http://schemas.openxmlformats.org/drawingml/2006/diagram" xmlns:a="http://schemas.openxmlformats.org/drawingml/2006/main" uniqueId="urn:microsoft.com/office/officeart/2005/8/colors/colorful3#1">
+<dgm:colorsDef xmlns:dgm="http://schemas.openxmlformats.org/drawingml/2006/diagram" xmlns:a="http://schemas.openxmlformats.org/drawingml/2006/main" uniqueId="urn:microsoft.com/office/officeart/2005/8/colors/colorful3">
   <dgm:title val=""/>
   <dgm:desc val=""/>
   <dgm:catLst>
@@ -1737,7 +1719,7 @@
 <dgm:dataModel xmlns:dgm="http://schemas.openxmlformats.org/drawingml/2006/diagram" xmlns:a="http://schemas.openxmlformats.org/drawingml/2006/main">
   <dgm:ptLst>
     <dgm:pt modelId="{E16905CA-DEF8-4D11-8E8E-35415FE5B980}" type="doc">
-      <dgm:prSet loTypeId="urn:microsoft.com/office/officeart/2011/layout/RadialPictureList#1" loCatId="officeonline" qsTypeId="urn:microsoft.com/office/officeart/2005/8/quickstyle/simple4#1" qsCatId="simple" csTypeId="urn:microsoft.com/office/officeart/2005/8/colors/accent0_2#1" csCatId="mainScheme" phldr="1"/>
+      <dgm:prSet loTypeId="urn:microsoft.com/office/officeart/2011/layout/RadialPictureList#1" loCatId="officeonline" qsTypeId="urn:microsoft.com/office/officeart/2005/8/quickstyle/simple4" qsCatId="simple" csTypeId="urn:microsoft.com/office/officeart/2005/8/colors/accent0_2" csCatId="mainScheme" phldr="1"/>
       <dgm:spPr/>
       <dgm:t>
         <a:bodyPr/>
@@ -1767,7 +1749,7 @@
         </a:p>
       </dgm:t>
     </dgm:pt>
-    <dgm:pt modelId="{C7FB72E2-A81D-4936-94C5-846F95D01B10}" type="parTrans" cxnId="{A971AD42-BB12-4E5C-BD90-DB7621320F5D}">
+    <dgm:pt modelId="{C7FB72E2-A81D-4936-94C5-846F95D01B10}" cxnId="{A971AD42-BB12-4E5C-BD90-DB7621320F5D}" type="parTrans">
       <dgm:prSet/>
       <dgm:spPr/>
       <dgm:t>
@@ -1781,7 +1763,7 @@
         </a:p>
       </dgm:t>
     </dgm:pt>
-    <dgm:pt modelId="{36A13DC7-7A59-4D72-A36F-54543C02182F}" type="sibTrans" cxnId="{A971AD42-BB12-4E5C-BD90-DB7621320F5D}">
+    <dgm:pt modelId="{36A13DC7-7A59-4D72-A36F-54543C02182F}" cxnId="{A971AD42-BB12-4E5C-BD90-DB7621320F5D}" type="sibTrans">
       <dgm:prSet/>
       <dgm:spPr/>
       <dgm:t>
@@ -1815,7 +1797,7 @@
         </a:p>
       </dgm:t>
     </dgm:pt>
-    <dgm:pt modelId="{D970ABB7-5E37-4C46-AB28-EAAE4C62AF1F}" type="parTrans" cxnId="{2F708DD1-31DA-40F2-8F61-60D64D9DED0E}">
+    <dgm:pt modelId="{D970ABB7-5E37-4C46-AB28-EAAE4C62AF1F}" cxnId="{2F708DD1-31DA-40F2-8F61-60D64D9DED0E}" type="parTrans">
       <dgm:prSet/>
       <dgm:spPr/>
       <dgm:t>
@@ -1829,7 +1811,7 @@
         </a:p>
       </dgm:t>
     </dgm:pt>
-    <dgm:pt modelId="{3BD032F4-74D8-4DF5-A3F7-BE4B5F10D5BF}" type="sibTrans" cxnId="{2F708DD1-31DA-40F2-8F61-60D64D9DED0E}">
+    <dgm:pt modelId="{3BD032F4-74D8-4DF5-A3F7-BE4B5F10D5BF}" cxnId="{2F708DD1-31DA-40F2-8F61-60D64D9DED0E}" type="sibTrans">
       <dgm:prSet/>
       <dgm:spPr/>
       <dgm:t>
@@ -1863,7 +1845,7 @@
         </a:p>
       </dgm:t>
     </dgm:pt>
-    <dgm:pt modelId="{839A0E79-83CF-4D81-910F-C4D38D5DC2A9}" type="parTrans" cxnId="{F0B079DC-9100-43CB-83F4-47AC9676D6D6}">
+    <dgm:pt modelId="{839A0E79-83CF-4D81-910F-C4D38D5DC2A9}" cxnId="{F0B079DC-9100-43CB-83F4-47AC9676D6D6}" type="parTrans">
       <dgm:prSet/>
       <dgm:spPr/>
       <dgm:t>
@@ -1877,7 +1859,7 @@
         </a:p>
       </dgm:t>
     </dgm:pt>
-    <dgm:pt modelId="{D3D2787D-6A77-4635-9E00-A1E2766D7996}" type="sibTrans" cxnId="{F0B079DC-9100-43CB-83F4-47AC9676D6D6}">
+    <dgm:pt modelId="{D3D2787D-6A77-4635-9E00-A1E2766D7996}" cxnId="{F0B079DC-9100-43CB-83F4-47AC9676D6D6}" type="sibTrans">
       <dgm:prSet/>
       <dgm:spPr/>
       <dgm:t>
@@ -1911,7 +1893,7 @@
         </a:p>
       </dgm:t>
     </dgm:pt>
-    <dgm:pt modelId="{DFE94F7E-D535-430A-8BB1-49AC9838F4B9}" type="parTrans" cxnId="{8D5FD78A-BE31-4FDE-A461-DA8AB34B38C6}">
+    <dgm:pt modelId="{DFE94F7E-D535-430A-8BB1-49AC9838F4B9}" cxnId="{8D5FD78A-BE31-4FDE-A461-DA8AB34B38C6}" type="parTrans">
       <dgm:prSet/>
       <dgm:spPr/>
       <dgm:t>
@@ -1925,7 +1907,7 @@
         </a:p>
       </dgm:t>
     </dgm:pt>
-    <dgm:pt modelId="{E322421D-E49C-4213-8E54-92B0A3C2AA0D}" type="sibTrans" cxnId="{8D5FD78A-BE31-4FDE-A461-DA8AB34B38C6}">
+    <dgm:pt modelId="{E322421D-E49C-4213-8E54-92B0A3C2AA0D}" cxnId="{8D5FD78A-BE31-4FDE-A461-DA8AB34B38C6}" type="sibTrans">
       <dgm:prSet/>
       <dgm:spPr/>
       <dgm:t>
@@ -1959,7 +1941,7 @@
         </a:p>
       </dgm:t>
     </dgm:pt>
-    <dgm:pt modelId="{C8D3E9CF-05DC-4FB6-BC89-86896EE18DEA}" type="parTrans" cxnId="{721A35C3-DBEA-42F4-A54D-DFAAD999BF91}">
+    <dgm:pt modelId="{C8D3E9CF-05DC-4FB6-BC89-86896EE18DEA}" cxnId="{721A35C3-DBEA-42F4-A54D-DFAAD999BF91}" type="parTrans">
       <dgm:prSet/>
       <dgm:spPr/>
       <dgm:t>
@@ -1973,7 +1955,7 @@
         </a:p>
       </dgm:t>
     </dgm:pt>
-    <dgm:pt modelId="{048493D6-4426-4618-8C32-1CBA84A9753C}" type="sibTrans" cxnId="{721A35C3-DBEA-42F4-A54D-DFAAD999BF91}">
+    <dgm:pt modelId="{048493D6-4426-4618-8C32-1CBA84A9753C}" cxnId="{721A35C3-DBEA-42F4-A54D-DFAAD999BF91}" type="sibTrans">
       <dgm:prSet/>
       <dgm:spPr/>
       <dgm:t>
@@ -2311,7 +2293,7 @@
   </dgm:whole>
   <dgm:extLst>
     <a:ext uri="http://schemas.microsoft.com/office/drawing/2008/diagram">
-      <dsp:dataModelExt xmlns:dsp="http://schemas.microsoft.com/office/drawing/2008/diagram" relId="rId6" minVer="http://schemas.openxmlformats.org/drawingml/2006/diagram"/>
+      <dsp:dataModelExt xmlns:dsp="http://schemas.microsoft.com/office/drawing/2008/diagram" relId="rId5" minVer="http://schemas.openxmlformats.org/drawingml/2006/diagram"/>
     </a:ext>
   </dgm:extLst>
 </dgm:dataModel>
@@ -2321,7 +2303,7 @@
 <dgm:dataModel xmlns:dgm="http://schemas.openxmlformats.org/drawingml/2006/diagram" xmlns:a="http://schemas.openxmlformats.org/drawingml/2006/main">
   <dgm:ptLst>
     <dgm:pt modelId="{DC4EA6F9-12FF-475E-9809-9FB526DDDB5D}" type="doc">
-      <dgm:prSet loTypeId="urn:microsoft.com/office/officeart/2005/8/layout/vList4" loCatId="picture" qsTypeId="urn:microsoft.com/office/officeart/2005/8/quickstyle/simple1#1" qsCatId="simple" csTypeId="urn:microsoft.com/office/officeart/2005/8/colors/colorful3#1" csCatId="colorful" phldr="1"/>
+      <dgm:prSet loTypeId="urn:microsoft.com/office/officeart/2005/8/layout/vList4" loCatId="picture" qsTypeId="urn:microsoft.com/office/officeart/2005/8/quickstyle/simple1" qsCatId="simple" csTypeId="urn:microsoft.com/office/officeart/2005/8/colors/colorful3" csCatId="colorful" phldr="1"/>
       <dgm:spPr/>
       <dgm:t>
         <a:bodyPr/>
@@ -2350,7 +2332,7 @@
         </a:p>
       </dgm:t>
     </dgm:pt>
-    <dgm:pt modelId="{3EC3FB38-96EF-4569-8707-DEDB108F780F}" type="parTrans" cxnId="{8182226B-870E-4368-91ED-483C17A016F7}">
+    <dgm:pt modelId="{3EC3FB38-96EF-4569-8707-DEDB108F780F}" cxnId="{8182226B-870E-4368-91ED-483C17A016F7}" type="parTrans">
       <dgm:prSet/>
       <dgm:spPr/>
       <dgm:t>
@@ -2361,7 +2343,7 @@
         </a:p>
       </dgm:t>
     </dgm:pt>
-    <dgm:pt modelId="{E1BB32B4-4425-4EB5-96CA-26990CA914A7}" type="sibTrans" cxnId="{8182226B-870E-4368-91ED-483C17A016F7}">
+    <dgm:pt modelId="{E1BB32B4-4425-4EB5-96CA-26990CA914A7}" cxnId="{8182226B-870E-4368-91ED-483C17A016F7}" type="sibTrans">
       <dgm:prSet/>
       <dgm:spPr/>
       <dgm:t>
@@ -2395,7 +2377,7 @@
         </a:p>
       </dgm:t>
     </dgm:pt>
-    <dgm:pt modelId="{B43F31B4-E509-4363-A9AD-CDED965708B4}" type="parTrans" cxnId="{B78ED8F2-234E-4E51-88F9-E33E14E9033E}">
+    <dgm:pt modelId="{B43F31B4-E509-4363-A9AD-CDED965708B4}" cxnId="{B78ED8F2-234E-4E51-88F9-E33E14E9033E}" type="parTrans">
       <dgm:prSet/>
       <dgm:spPr/>
       <dgm:t>
@@ -2406,7 +2388,7 @@
         </a:p>
       </dgm:t>
     </dgm:pt>
-    <dgm:pt modelId="{19519DB5-D928-4A01-8978-F7E12E1124B8}" type="sibTrans" cxnId="{B78ED8F2-234E-4E51-88F9-E33E14E9033E}">
+    <dgm:pt modelId="{19519DB5-D928-4A01-8978-F7E12E1124B8}" cxnId="{B78ED8F2-234E-4E51-88F9-E33E14E9033E}" type="sibTrans">
       <dgm:prSet/>
       <dgm:spPr/>
       <dgm:t>
@@ -2440,7 +2422,7 @@
         </a:p>
       </dgm:t>
     </dgm:pt>
-    <dgm:pt modelId="{37DB89CF-AD2A-41D5-93F1-32E2D9590F09}" type="parTrans" cxnId="{DCA7210F-ABEC-473D-8C7A-3E90E5668C9D}">
+    <dgm:pt modelId="{37DB89CF-AD2A-41D5-93F1-32E2D9590F09}" cxnId="{DCA7210F-ABEC-473D-8C7A-3E90E5668C9D}" type="parTrans">
       <dgm:prSet/>
       <dgm:spPr/>
       <dgm:t>
@@ -2451,7 +2433,7 @@
         </a:p>
       </dgm:t>
     </dgm:pt>
-    <dgm:pt modelId="{72EC5EF5-0ED8-49D1-9098-BF40F8EF4226}" type="sibTrans" cxnId="{DCA7210F-ABEC-473D-8C7A-3E90E5668C9D}">
+    <dgm:pt modelId="{72EC5EF5-0ED8-49D1-9098-BF40F8EF4226}" cxnId="{DCA7210F-ABEC-473D-8C7A-3E90E5668C9D}" type="sibTrans">
       <dgm:prSet/>
       <dgm:spPr/>
       <dgm:t>
@@ -2481,7 +2463,7 @@
         </a:p>
       </dgm:t>
     </dgm:pt>
-    <dgm:pt modelId="{8070BDB4-5EDE-4C47-BB24-064F61D17DE5}" type="parTrans" cxnId="{8BA3610E-242C-4607-B4EB-34291677F0C2}">
+    <dgm:pt modelId="{8070BDB4-5EDE-4C47-BB24-064F61D17DE5}" cxnId="{8BA3610E-242C-4607-B4EB-34291677F0C2}" type="parTrans">
       <dgm:prSet/>
       <dgm:spPr/>
       <dgm:t>
@@ -2492,7 +2474,7 @@
         </a:p>
       </dgm:t>
     </dgm:pt>
-    <dgm:pt modelId="{4FBCA9CB-E912-4DC1-8837-AFBEB5207B34}" type="sibTrans" cxnId="{8BA3610E-242C-4607-B4EB-34291677F0C2}">
+    <dgm:pt modelId="{4FBCA9CB-E912-4DC1-8837-AFBEB5207B34}" cxnId="{8BA3610E-242C-4607-B4EB-34291677F0C2}" type="sibTrans">
       <dgm:prSet/>
       <dgm:spPr/>
       <dgm:t>
@@ -2526,7 +2508,7 @@
         </a:p>
       </dgm:t>
     </dgm:pt>
-    <dgm:pt modelId="{35538A94-8057-4F21-9CB1-F8E9AAD7793A}" type="parTrans" cxnId="{65C6C766-6051-4ADA-9FB8-8A0D59F23080}">
+    <dgm:pt modelId="{35538A94-8057-4F21-9CB1-F8E9AAD7793A}" cxnId="{65C6C766-6051-4ADA-9FB8-8A0D59F23080}" type="parTrans">
       <dgm:prSet/>
       <dgm:spPr/>
       <dgm:t>
@@ -2537,7 +2519,7 @@
         </a:p>
       </dgm:t>
     </dgm:pt>
-    <dgm:pt modelId="{577CDB13-60CA-4340-A839-33F01F44C5DA}" type="sibTrans" cxnId="{65C6C766-6051-4ADA-9FB8-8A0D59F23080}">
+    <dgm:pt modelId="{577CDB13-60CA-4340-A839-33F01F44C5DA}" cxnId="{65C6C766-6051-4ADA-9FB8-8A0D59F23080}" type="sibTrans">
       <dgm:prSet/>
       <dgm:spPr/>
       <dgm:t>
@@ -2571,7 +2553,7 @@
         </a:p>
       </dgm:t>
     </dgm:pt>
-    <dgm:pt modelId="{028F58CE-9A79-4597-9C79-72BEDCCDDD16}" type="parTrans" cxnId="{10F9F4C8-D6F3-42D0-B376-DA858D0AE19D}">
+    <dgm:pt modelId="{028F58CE-9A79-4597-9C79-72BEDCCDDD16}" cxnId="{10F9F4C8-D6F3-42D0-B376-DA858D0AE19D}" type="parTrans">
       <dgm:prSet/>
       <dgm:spPr/>
       <dgm:t>
@@ -2582,7 +2564,7 @@
         </a:p>
       </dgm:t>
     </dgm:pt>
-    <dgm:pt modelId="{DCE9D170-D198-4B6D-A92A-58427CD2B38E}" type="sibTrans" cxnId="{10F9F4C8-D6F3-42D0-B376-DA858D0AE19D}">
+    <dgm:pt modelId="{DCE9D170-D198-4B6D-A92A-58427CD2B38E}" cxnId="{10F9F4C8-D6F3-42D0-B376-DA858D0AE19D}" type="sibTrans">
       <dgm:prSet/>
       <dgm:spPr/>
       <dgm:t>
@@ -2612,7 +2594,7 @@
         </a:p>
       </dgm:t>
     </dgm:pt>
-    <dgm:pt modelId="{C47E255D-C60C-4C8E-99C0-134442FCD853}" type="parTrans" cxnId="{9056D0A4-A3AD-4F2E-8418-6815575BA2C0}">
+    <dgm:pt modelId="{C47E255D-C60C-4C8E-99C0-134442FCD853}" cxnId="{9056D0A4-A3AD-4F2E-8418-6815575BA2C0}" type="parTrans">
       <dgm:prSet/>
       <dgm:spPr/>
       <dgm:t>
@@ -2623,7 +2605,7 @@
         </a:p>
       </dgm:t>
     </dgm:pt>
-    <dgm:pt modelId="{4AC43729-A32C-43A7-85B6-8EED59DB19F2}" type="sibTrans" cxnId="{9056D0A4-A3AD-4F2E-8418-6815575BA2C0}">
+    <dgm:pt modelId="{4AC43729-A32C-43A7-85B6-8EED59DB19F2}" cxnId="{9056D0A4-A3AD-4F2E-8418-6815575BA2C0}" type="sibTrans">
       <dgm:prSet/>
       <dgm:spPr/>
       <dgm:t>
@@ -2665,7 +2647,7 @@
         </a:p>
       </dgm:t>
     </dgm:pt>
-    <dgm:pt modelId="{9CCD291B-835C-46D1-BD31-3D8339918BA4}" type="parTrans" cxnId="{D5BF29CD-E65C-4D4A-B86A-C5B9D27C2816}">
+    <dgm:pt modelId="{9CCD291B-835C-46D1-BD31-3D8339918BA4}" cxnId="{D5BF29CD-E65C-4D4A-B86A-C5B9D27C2816}" type="parTrans">
       <dgm:prSet/>
       <dgm:spPr/>
       <dgm:t>
@@ -2676,7 +2658,7 @@
         </a:p>
       </dgm:t>
     </dgm:pt>
-    <dgm:pt modelId="{FA833751-8855-456D-AFBA-BC120F2E1B4B}" type="sibTrans" cxnId="{D5BF29CD-E65C-4D4A-B86A-C5B9D27C2816}">
+    <dgm:pt modelId="{FA833751-8855-456D-AFBA-BC120F2E1B4B}" cxnId="{D5BF29CD-E65C-4D4A-B86A-C5B9D27C2816}" type="sibTrans">
       <dgm:prSet/>
       <dgm:spPr/>
       <dgm:t>
@@ -2718,7 +2700,7 @@
         </a:p>
       </dgm:t>
     </dgm:pt>
-    <dgm:pt modelId="{FAD245BD-E50C-4140-B8A3-AFA955FD3868}" type="parTrans" cxnId="{1D9D5179-F23B-425E-B242-8D6A157F7F0B}">
+    <dgm:pt modelId="{FAD245BD-E50C-4140-B8A3-AFA955FD3868}" cxnId="{1D9D5179-F23B-425E-B242-8D6A157F7F0B}" type="parTrans">
       <dgm:prSet/>
       <dgm:spPr/>
       <dgm:t>
@@ -2729,7 +2711,7 @@
         </a:p>
       </dgm:t>
     </dgm:pt>
-    <dgm:pt modelId="{A3A658B4-CBBC-4BA2-9E6B-58485943562A}" type="sibTrans" cxnId="{1D9D5179-F23B-425E-B242-8D6A157F7F0B}">
+    <dgm:pt modelId="{A3A658B4-CBBC-4BA2-9E6B-58485943562A}" cxnId="{1D9D5179-F23B-425E-B242-8D6A157F7F0B}" type="sibTrans">
       <dgm:prSet/>
       <dgm:spPr/>
       <dgm:t>
@@ -2910,7 +2892,7 @@
   <dgm:whole/>
   <dgm:extLst>
     <a:ext uri="http://schemas.microsoft.com/office/drawing/2008/diagram">
-      <dsp:dataModelExt xmlns:dsp="http://schemas.microsoft.com/office/drawing/2008/diagram" relId="rId6" minVer="http://schemas.openxmlformats.org/drawingml/2006/diagram"/>
+      <dsp:dataModelExt xmlns:dsp="http://schemas.microsoft.com/office/drawing/2008/diagram" relId="rId5" minVer="http://schemas.openxmlformats.org/drawingml/2006/diagram"/>
     </a:ext>
   </dgm:extLst>
 </dgm:dataModel>
@@ -3008,7 +2990,7 @@
             </a:spcAft>
             <a:buNone/>
           </a:pPr>
-          <a:endParaRPr lang="zh-CN" altLang="en-US" sz="2800" kern="1200" dirty="0">
+          <a:endParaRPr lang="zh-CN" sz="2800" kern="1200" dirty="0">
             <a:latin typeface="微软雅黑" panose="020B0503020204020204" pitchFamily="34" charset="-122"/>
             <a:ea typeface="微软雅黑" panose="020B0503020204020204" pitchFamily="34" charset="-122"/>
             <a:cs typeface="+mn-cs"/>
@@ -3202,7 +3184,7 @@
             </a:spcAft>
             <a:buNone/>
           </a:pPr>
-          <a:endParaRPr lang="zh-CN" altLang="en-US" sz="1600" kern="1200" dirty="0">
+          <a:endParaRPr lang="zh-CN" sz="1600" kern="1200" dirty="0">
             <a:latin typeface="微软雅黑" panose="020B0503020204020204" pitchFamily="34" charset="-122"/>
             <a:ea typeface="微软雅黑" panose="020B0503020204020204" pitchFamily="34" charset="-122"/>
             <a:cs typeface="+mn-cs"/>
@@ -3325,7 +3307,7 @@
             </a:spcAft>
             <a:buNone/>
           </a:pPr>
-          <a:endParaRPr lang="zh-CN" altLang="en-US" sz="1600" kern="1200" dirty="0">
+          <a:endParaRPr lang="zh-CN" sz="1600" kern="1200" dirty="0">
             <a:latin typeface="微软雅黑" panose="020B0503020204020204" pitchFamily="34" charset="-122"/>
             <a:ea typeface="微软雅黑" panose="020B0503020204020204" pitchFamily="34" charset="-122"/>
             <a:cs typeface="+mn-cs"/>
@@ -3448,7 +3430,7 @@
             </a:spcAft>
             <a:buNone/>
           </a:pPr>
-          <a:endParaRPr lang="zh-CN" altLang="en-US" sz="1600" kern="1200" dirty="0">
+          <a:endParaRPr lang="zh-CN" sz="1600" kern="1200" dirty="0">
             <a:latin typeface="微软雅黑" panose="020B0503020204020204" pitchFamily="34" charset="-122"/>
             <a:ea typeface="微软雅黑" panose="020B0503020204020204" pitchFamily="34" charset="-122"/>
             <a:cs typeface="+mn-cs"/>
@@ -3571,7 +3553,7 @@
             </a:spcAft>
             <a:buNone/>
           </a:pPr>
-          <a:endParaRPr lang="zh-CN" altLang="en-US" sz="2400" kern="1200" dirty="0">
+          <a:endParaRPr lang="zh-CN" sz="2400" kern="1200" dirty="0">
             <a:latin typeface="微软雅黑" panose="020B0503020204020204" pitchFamily="34" charset="-122"/>
             <a:ea typeface="微软雅黑" panose="020B0503020204020204" pitchFamily="34" charset="-122"/>
             <a:cs typeface="+mn-cs"/>
@@ -4681,7 +4663,7 @@
           <dgm:else name="Name25">
             <dgm:choose name="Name26">
               <dgm:if name="Name27" axis="followSib" ptType="node" func="cnt" op="equ" val="0">
-                <dgm:shape xmlns:r="http://schemas.openxmlformats.org/officeDocument/2006/relationships" rot="180" type="blockArc" r:blip="">
+                <dgm:shape xmlns:r="http://schemas.openxmlformats.org/officeDocument/2006/relationships" type="blockArc" r:blip="" rot="180">
                   <dgm:adjLst>
                     <dgm:adj idx="1" val="-49.0368"/>
                     <dgm:adj idx="2" val="49.4265"/>
@@ -4690,7 +4672,7 @@
                 </dgm:shape>
               </dgm:if>
               <dgm:if name="Name28" axis="followSib" ptType="node" func="cnt" op="equ" val="1">
-                <dgm:shape xmlns:r="http://schemas.openxmlformats.org/officeDocument/2006/relationships" rot="180" type="blockArc" r:blip="">
+                <dgm:shape xmlns:r="http://schemas.openxmlformats.org/officeDocument/2006/relationships" type="blockArc" r:blip="" rot="180">
                   <dgm:adjLst>
                     <dgm:adj idx="1" val="-64.2028"/>
                     <dgm:adj idx="2" val="64.5456"/>
@@ -4699,7 +4681,7 @@
                 </dgm:shape>
               </dgm:if>
               <dgm:if name="Name29" axis="followSib" ptType="node" func="cnt" op="equ" val="2">
-                <dgm:shape xmlns:r="http://schemas.openxmlformats.org/officeDocument/2006/relationships" rot="180" type="blockArc" r:blip="">
+                <dgm:shape xmlns:r="http://schemas.openxmlformats.org/officeDocument/2006/relationships" type="blockArc" r:blip="" rot="180">
                   <dgm:adjLst>
                     <dgm:adj idx="1" val="-67.8702"/>
                     <dgm:adj idx="2" val="68.6519"/>
@@ -4708,7 +4690,7 @@
                 </dgm:shape>
               </dgm:if>
               <dgm:else name="Name30">
-                <dgm:shape xmlns:r="http://schemas.openxmlformats.org/officeDocument/2006/relationships" rot="180" type="blockArc" r:blip="">
+                <dgm:shape xmlns:r="http://schemas.openxmlformats.org/officeDocument/2006/relationships" type="blockArc" r:blip="" rot="180">
                   <dgm:adjLst>
                     <dgm:adj idx="1" val="-84.8426"/>
                     <dgm:adj idx="2" val="84.8009"/>
@@ -5134,7 +5116,7 @@
 </file>
 
 <file path=ppt/diagrams/quickStyle1.xml><?xml version="1.0" encoding="utf-8"?>
-<dgm:styleDef xmlns:dgm="http://schemas.openxmlformats.org/drawingml/2006/diagram" xmlns:a="http://schemas.openxmlformats.org/drawingml/2006/main" uniqueId="urn:microsoft.com/office/officeart/2005/8/quickstyle/simple4#1">
+<dgm:styleDef xmlns:dgm="http://schemas.openxmlformats.org/drawingml/2006/diagram" xmlns:a="http://schemas.openxmlformats.org/drawingml/2006/main" uniqueId="urn:microsoft.com/office/officeart/2005/8/quickstyle/simple4">
   <dgm:title val=""/>
   <dgm:desc val=""/>
   <dgm:catLst>
@@ -5149,7 +5131,6 @@
       <a:camera prst="orthographicFront"/>
       <a:lightRig rig="threePt" dir="t"/>
     </dgm:scene3d>
-    <dgm:sp3d/>
     <dgm:txPr/>
     <dgm:style>
       <a:lnRef idx="1">
@@ -5169,7 +5150,6 @@
       <a:camera prst="orthographicFront"/>
       <a:lightRig rig="threePt" dir="t"/>
     </dgm:scene3d>
-    <dgm:sp3d/>
     <dgm:txPr/>
     <dgm:style>
       <a:lnRef idx="1">
@@ -5189,7 +5169,6 @@
       <a:camera prst="orthographicFront"/>
       <a:lightRig rig="threePt" dir="t"/>
     </dgm:scene3d>
-    <dgm:sp3d/>
     <dgm:txPr/>
     <dgm:style>
       <a:lnRef idx="0">
@@ -5209,7 +5188,6 @@
       <a:camera prst="orthographicFront"/>
       <a:lightRig rig="threePt" dir="t"/>
     </dgm:scene3d>
-    <dgm:sp3d/>
     <dgm:txPr/>
     <dgm:style>
       <a:lnRef idx="1">
@@ -5231,7 +5209,6 @@
       <a:camera prst="orthographicFront"/>
       <a:lightRig rig="threePt" dir="t"/>
     </dgm:scene3d>
-    <dgm:sp3d/>
     <dgm:txPr/>
     <dgm:style>
       <a:lnRef idx="0">
@@ -5253,7 +5230,6 @@
       <a:camera prst="orthographicFront"/>
       <a:lightRig rig="threePt" dir="t"/>
     </dgm:scene3d>
-    <dgm:sp3d/>
     <dgm:txPr/>
     <dgm:style>
       <a:lnRef idx="0">
@@ -5275,7 +5251,6 @@
       <a:camera prst="orthographicFront"/>
       <a:lightRig rig="threePt" dir="t"/>
     </dgm:scene3d>
-    <dgm:sp3d/>
     <dgm:txPr/>
     <dgm:style>
       <a:lnRef idx="0">
@@ -5297,7 +5272,6 @@
       <a:camera prst="orthographicFront"/>
       <a:lightRig rig="threePt" dir="t"/>
     </dgm:scene3d>
-    <dgm:sp3d/>
     <dgm:txPr/>
     <dgm:style>
       <a:lnRef idx="0">
@@ -5319,7 +5293,6 @@
       <a:camera prst="orthographicFront"/>
       <a:lightRig rig="threePt" dir="t"/>
     </dgm:scene3d>
-    <dgm:sp3d/>
     <dgm:txPr/>
     <dgm:style>
       <a:lnRef idx="0">
@@ -5341,7 +5314,6 @@
       <a:camera prst="orthographicFront"/>
       <a:lightRig rig="threePt" dir="t"/>
     </dgm:scene3d>
-    <dgm:sp3d/>
     <dgm:txPr/>
     <dgm:style>
       <a:lnRef idx="1">
@@ -5361,7 +5333,6 @@
       <a:camera prst="orthographicFront"/>
       <a:lightRig rig="threePt" dir="t"/>
     </dgm:scene3d>
-    <dgm:sp3d/>
     <dgm:txPr/>
     <dgm:style>
       <a:lnRef idx="1">
@@ -5381,7 +5352,6 @@
       <a:camera prst="orthographicFront"/>
       <a:lightRig rig="threePt" dir="t"/>
     </dgm:scene3d>
-    <dgm:sp3d/>
     <dgm:txPr/>
     <dgm:style>
       <a:lnRef idx="0">
@@ -5401,7 +5371,6 @@
       <a:camera prst="orthographicFront"/>
       <a:lightRig rig="threePt" dir="t"/>
     </dgm:scene3d>
-    <dgm:sp3d/>
     <dgm:txPr/>
     <dgm:style>
       <a:lnRef idx="0">
@@ -5421,7 +5390,6 @@
       <a:camera prst="orthographicFront"/>
       <a:lightRig rig="threePt" dir="t"/>
     </dgm:scene3d>
-    <dgm:sp3d/>
     <dgm:txPr/>
     <dgm:style>
       <a:lnRef idx="0">
@@ -5443,7 +5411,6 @@
       <a:camera prst="orthographicFront"/>
       <a:lightRig rig="threePt" dir="t"/>
     </dgm:scene3d>
-    <dgm:sp3d/>
     <dgm:txPr/>
     <dgm:style>
       <a:lnRef idx="2">
@@ -5463,7 +5430,6 @@
       <a:camera prst="orthographicFront"/>
       <a:lightRig rig="threePt" dir="t"/>
     </dgm:scene3d>
-    <dgm:sp3d/>
     <dgm:txPr/>
     <dgm:style>
       <a:lnRef idx="1">
@@ -5483,7 +5449,6 @@
       <a:camera prst="orthographicFront"/>
       <a:lightRig rig="threePt" dir="t"/>
     </dgm:scene3d>
-    <dgm:sp3d/>
     <dgm:txPr/>
     <dgm:style>
       <a:lnRef idx="0">
@@ -5503,7 +5468,6 @@
       <a:camera prst="orthographicFront"/>
       <a:lightRig rig="threePt" dir="t"/>
     </dgm:scene3d>
-    <dgm:sp3d/>
     <dgm:txPr/>
     <dgm:style>
       <a:lnRef idx="1">
@@ -5523,7 +5487,6 @@
       <a:camera prst="orthographicFront"/>
       <a:lightRig rig="threePt" dir="t"/>
     </dgm:scene3d>
-    <dgm:sp3d/>
     <dgm:txPr/>
     <dgm:style>
       <a:lnRef idx="1">
@@ -5543,7 +5506,6 @@
       <a:camera prst="orthographicFront"/>
       <a:lightRig rig="threePt" dir="t"/>
     </dgm:scene3d>
-    <dgm:sp3d/>
     <dgm:txPr/>
     <dgm:style>
       <a:lnRef idx="1">
@@ -5563,7 +5525,6 @@
       <a:camera prst="orthographicFront"/>
       <a:lightRig rig="threePt" dir="t"/>
     </dgm:scene3d>
-    <dgm:sp3d/>
     <dgm:txPr/>
     <dgm:style>
       <a:lnRef idx="1">
@@ -5583,7 +5544,6 @@
       <a:camera prst="orthographicFront"/>
       <a:lightRig rig="threePt" dir="t"/>
     </dgm:scene3d>
-    <dgm:sp3d/>
     <dgm:txPr/>
     <dgm:style>
       <a:lnRef idx="1">
@@ -5603,7 +5563,6 @@
       <a:camera prst="orthographicFront"/>
       <a:lightRig rig="threePt" dir="t"/>
     </dgm:scene3d>
-    <dgm:sp3d/>
     <dgm:txPr/>
     <dgm:style>
       <a:lnRef idx="1">
@@ -5623,7 +5582,6 @@
       <a:camera prst="orthographicFront"/>
       <a:lightRig rig="threePt" dir="t"/>
     </dgm:scene3d>
-    <dgm:sp3d/>
     <dgm:txPr/>
     <dgm:style>
       <a:lnRef idx="0">
@@ -5643,7 +5601,6 @@
       <a:camera prst="orthographicFront"/>
       <a:lightRig rig="threePt" dir="t"/>
     </dgm:scene3d>
-    <dgm:sp3d/>
     <dgm:txPr/>
     <dgm:style>
       <a:lnRef idx="0">
@@ -5663,7 +5620,6 @@
       <a:camera prst="orthographicFront"/>
       <a:lightRig rig="threePt" dir="t"/>
     </dgm:scene3d>
-    <dgm:sp3d/>
     <dgm:txPr/>
     <dgm:style>
       <a:lnRef idx="0">
@@ -5685,7 +5641,6 @@
       <a:camera prst="orthographicFront"/>
       <a:lightRig rig="threePt" dir="t"/>
     </dgm:scene3d>
-    <dgm:sp3d/>
     <dgm:txPr/>
     <dgm:style>
       <a:lnRef idx="1">
@@ -5707,7 +5662,6 @@
       <a:camera prst="orthographicFront"/>
       <a:lightRig rig="threePt" dir="t"/>
     </dgm:scene3d>
-    <dgm:sp3d/>
     <dgm:txPr/>
     <dgm:style>
       <a:lnRef idx="0">
@@ -5729,7 +5683,6 @@
       <a:camera prst="orthographicFront"/>
       <a:lightRig rig="threePt" dir="t"/>
     </dgm:scene3d>
-    <dgm:sp3d/>
     <dgm:txPr/>
     <dgm:style>
       <a:lnRef idx="0">
@@ -5751,7 +5704,6 @@
       <a:camera prst="orthographicFront"/>
       <a:lightRig rig="threePt" dir="t"/>
     </dgm:scene3d>
-    <dgm:sp3d/>
     <dgm:txPr/>
     <dgm:style>
       <a:lnRef idx="0">
@@ -5773,7 +5725,6 @@
       <a:camera prst="orthographicFront"/>
       <a:lightRig rig="threePt" dir="t"/>
     </dgm:scene3d>
-    <dgm:sp3d/>
     <dgm:txPr/>
     <dgm:style>
       <a:lnRef idx="0">
@@ -5795,7 +5746,6 @@
       <a:camera prst="orthographicFront"/>
       <a:lightRig rig="threePt" dir="t"/>
     </dgm:scene3d>
-    <dgm:sp3d/>
     <dgm:txPr/>
     <dgm:style>
       <a:lnRef idx="0">
@@ -5817,7 +5767,6 @@
       <a:camera prst="orthographicFront"/>
       <a:lightRig rig="threePt" dir="t"/>
     </dgm:scene3d>
-    <dgm:sp3d/>
     <dgm:txPr/>
     <dgm:style>
       <a:lnRef idx="1">
@@ -5837,7 +5786,6 @@
       <a:camera prst="orthographicFront"/>
       <a:lightRig rig="threePt" dir="t"/>
     </dgm:scene3d>
-    <dgm:sp3d/>
     <dgm:txPr/>
     <dgm:style>
       <a:lnRef idx="1">
@@ -5857,7 +5805,6 @@
       <a:camera prst="orthographicFront"/>
       <a:lightRig rig="threePt" dir="t"/>
     </dgm:scene3d>
-    <dgm:sp3d/>
     <dgm:txPr/>
     <dgm:style>
       <a:lnRef idx="1">
@@ -5877,7 +5824,6 @@
       <a:camera prst="orthographicFront"/>
       <a:lightRig rig="threePt" dir="t"/>
     </dgm:scene3d>
-    <dgm:sp3d/>
     <dgm:txPr/>
     <dgm:style>
       <a:lnRef idx="1">
@@ -5897,7 +5843,6 @@
       <a:camera prst="orthographicFront"/>
       <a:lightRig rig="threePt" dir="t"/>
     </dgm:scene3d>
-    <dgm:sp3d/>
     <dgm:txPr/>
     <dgm:style>
       <a:lnRef idx="0">
@@ -5919,7 +5864,6 @@
       <a:camera prst="orthographicFront"/>
       <a:lightRig rig="threePt" dir="t"/>
     </dgm:scene3d>
-    <dgm:sp3d/>
     <dgm:txPr/>
     <dgm:style>
       <a:lnRef idx="0">
@@ -5941,7 +5885,6 @@
       <a:camera prst="orthographicFront"/>
       <a:lightRig rig="threePt" dir="t"/>
     </dgm:scene3d>
-    <dgm:sp3d/>
     <dgm:txPr/>
     <dgm:style>
       <a:lnRef idx="1">
@@ -5963,7 +5906,6 @@
       <a:camera prst="orthographicFront"/>
       <a:lightRig rig="threePt" dir="t"/>
     </dgm:scene3d>
-    <dgm:sp3d/>
     <dgm:txPr/>
     <dgm:style>
       <a:lnRef idx="1">
@@ -5985,7 +5927,6 @@
       <a:camera prst="orthographicFront"/>
       <a:lightRig rig="threePt" dir="t"/>
     </dgm:scene3d>
-    <dgm:sp3d/>
     <dgm:txPr/>
     <dgm:style>
       <a:lnRef idx="0">
@@ -6005,7 +5946,6 @@
       <a:camera prst="orthographicFront"/>
       <a:lightRig rig="threePt" dir="t"/>
     </dgm:scene3d>
-    <dgm:sp3d/>
     <dgm:txPr/>
     <dgm:style>
       <a:lnRef idx="1">
@@ -6025,7 +5965,6 @@
       <a:camera prst="orthographicFront"/>
       <a:lightRig rig="threePt" dir="t"/>
     </dgm:scene3d>
-    <dgm:sp3d/>
     <dgm:txPr/>
     <dgm:style>
       <a:lnRef idx="0">
@@ -6047,7 +5986,6 @@
       <a:camera prst="orthographicFront"/>
       <a:lightRig rig="threePt" dir="t"/>
     </dgm:scene3d>
-    <dgm:sp3d/>
     <dgm:txPr/>
     <dgm:style>
       <a:lnRef idx="1">
@@ -6067,7 +6005,6 @@
       <a:camera prst="orthographicFront"/>
       <a:lightRig rig="threePt" dir="t"/>
     </dgm:scene3d>
-    <dgm:sp3d/>
     <dgm:txPr/>
     <dgm:style>
       <a:lnRef idx="1">
@@ -6087,7 +6024,6 @@
       <a:camera prst="orthographicFront"/>
       <a:lightRig rig="threePt" dir="t"/>
     </dgm:scene3d>
-    <dgm:sp3d/>
     <dgm:txPr/>
     <dgm:style>
       <a:lnRef idx="1">
@@ -6107,7 +6043,6 @@
       <a:camera prst="orthographicFront"/>
       <a:lightRig rig="threePt" dir="t"/>
     </dgm:scene3d>
-    <dgm:sp3d/>
     <dgm:txPr/>
     <dgm:style>
       <a:lnRef idx="1">
@@ -6127,7 +6062,6 @@
       <a:camera prst="orthographicFront"/>
       <a:lightRig rig="threePt" dir="t"/>
     </dgm:scene3d>
-    <dgm:sp3d/>
     <dgm:txPr/>
     <dgm:style>
       <a:lnRef idx="0">
@@ -6147,7 +6081,6 @@
       <a:camera prst="orthographicFront"/>
       <a:lightRig rig="threePt" dir="t"/>
     </dgm:scene3d>
-    <dgm:sp3d/>
     <dgm:txPr/>
     <dgm:style>
       <a:lnRef idx="0">
@@ -6168,7 +6101,7 @@
 </file>
 
 <file path=ppt/diagrams/quickStyle2.xml><?xml version="1.0" encoding="utf-8"?>
-<dgm:styleDef xmlns:dgm="http://schemas.openxmlformats.org/drawingml/2006/diagram" xmlns:a="http://schemas.openxmlformats.org/drawingml/2006/main" uniqueId="urn:microsoft.com/office/officeart/2005/8/quickstyle/simple1#1">
+<dgm:styleDef xmlns:dgm="http://schemas.openxmlformats.org/drawingml/2006/diagram" xmlns:a="http://schemas.openxmlformats.org/drawingml/2006/main" uniqueId="urn:microsoft.com/office/officeart/2005/8/quickstyle/simple1">
   <dgm:title val=""/>
   <dgm:desc val=""/>
   <dgm:catLst>
@@ -6183,7 +6116,6 @@
       <a:camera prst="orthographicFront"/>
       <a:lightRig rig="threePt" dir="t"/>
     </dgm:scene3d>
-    <dgm:sp3d/>
     <dgm:txPr/>
     <dgm:style>
       <a:lnRef idx="2">
@@ -6203,7 +6135,6 @@
       <a:camera prst="orthographicFront"/>
       <a:lightRig rig="threePt" dir="t"/>
     </dgm:scene3d>
-    <dgm:sp3d/>
     <dgm:txPr/>
     <dgm:style>
       <a:lnRef idx="2">
@@ -6223,7 +6154,6 @@
       <a:camera prst="orthographicFront"/>
       <a:lightRig rig="threePt" dir="t"/>
     </dgm:scene3d>
-    <dgm:sp3d/>
     <dgm:txPr/>
     <dgm:style>
       <a:lnRef idx="2">
@@ -6243,7 +6173,6 @@
       <a:camera prst="orthographicFront"/>
       <a:lightRig rig="threePt" dir="t"/>
     </dgm:scene3d>
-    <dgm:sp3d/>
     <dgm:txPr/>
     <dgm:style>
       <a:lnRef idx="2">
@@ -6265,7 +6194,6 @@
       <a:camera prst="orthographicFront"/>
       <a:lightRig rig="threePt" dir="t"/>
     </dgm:scene3d>
-    <dgm:sp3d/>
     <dgm:txPr/>
     <dgm:style>
       <a:lnRef idx="2">
@@ -6287,7 +6215,6 @@
       <a:camera prst="orthographicFront"/>
       <a:lightRig rig="threePt" dir="t"/>
     </dgm:scene3d>
-    <dgm:sp3d/>
     <dgm:txPr/>
     <dgm:style>
       <a:lnRef idx="2">
@@ -6309,7 +6236,6 @@
       <a:camera prst="orthographicFront"/>
       <a:lightRig rig="threePt" dir="t"/>
     </dgm:scene3d>
-    <dgm:sp3d/>
     <dgm:txPr/>
     <dgm:style>
       <a:lnRef idx="2">
@@ -6331,7 +6257,6 @@
       <a:camera prst="orthographicFront"/>
       <a:lightRig rig="threePt" dir="t"/>
     </dgm:scene3d>
-    <dgm:sp3d/>
     <dgm:txPr/>
     <dgm:style>
       <a:lnRef idx="2">
@@ -6353,7 +6278,6 @@
       <a:camera prst="orthographicFront"/>
       <a:lightRig rig="threePt" dir="t"/>
     </dgm:scene3d>
-    <dgm:sp3d/>
     <dgm:txPr/>
     <dgm:style>
       <a:lnRef idx="2">
@@ -6375,7 +6299,6 @@
       <a:camera prst="orthographicFront"/>
       <a:lightRig rig="threePt" dir="t"/>
     </dgm:scene3d>
-    <dgm:sp3d/>
     <dgm:txPr/>
     <dgm:style>
       <a:lnRef idx="2">
@@ -6395,7 +6318,6 @@
       <a:camera prst="orthographicFront"/>
       <a:lightRig rig="threePt" dir="t"/>
     </dgm:scene3d>
-    <dgm:sp3d/>
     <dgm:txPr/>
     <dgm:style>
       <a:lnRef idx="2">
@@ -6415,7 +6337,6 @@
       <a:camera prst="orthographicFront"/>
       <a:lightRig rig="threePt" dir="t"/>
     </dgm:scene3d>
-    <dgm:sp3d/>
     <dgm:txPr/>
     <dgm:style>
       <a:lnRef idx="2">
@@ -6435,7 +6356,6 @@
       <a:camera prst="orthographicFront"/>
       <a:lightRig rig="threePt" dir="t"/>
     </dgm:scene3d>
-    <dgm:sp3d/>
     <dgm:txPr/>
     <dgm:style>
       <a:lnRef idx="0">
@@ -6455,7 +6375,6 @@
       <a:camera prst="orthographicFront"/>
       <a:lightRig rig="threePt" dir="t"/>
     </dgm:scene3d>
-    <dgm:sp3d/>
     <dgm:txPr/>
     <dgm:style>
       <a:lnRef idx="0">
@@ -6477,7 +6396,6 @@
       <a:camera prst="orthographicFront"/>
       <a:lightRig rig="threePt" dir="t"/>
     </dgm:scene3d>
-    <dgm:sp3d/>
     <dgm:txPr/>
     <dgm:style>
       <a:lnRef idx="2">
@@ -6497,7 +6415,6 @@
       <a:camera prst="orthographicFront"/>
       <a:lightRig rig="threePt" dir="t"/>
     </dgm:scene3d>
-    <dgm:sp3d/>
     <dgm:txPr/>
     <dgm:style>
       <a:lnRef idx="2">
@@ -6517,7 +6434,6 @@
       <a:camera prst="orthographicFront"/>
       <a:lightRig rig="threePt" dir="t"/>
     </dgm:scene3d>
-    <dgm:sp3d/>
     <dgm:txPr/>
     <dgm:style>
       <a:lnRef idx="0">
@@ -6537,7 +6453,6 @@
       <a:camera prst="orthographicFront"/>
       <a:lightRig rig="threePt" dir="t"/>
     </dgm:scene3d>
-    <dgm:sp3d/>
     <dgm:txPr/>
     <dgm:style>
       <a:lnRef idx="2">
@@ -6557,7 +6472,6 @@
       <a:camera prst="orthographicFront"/>
       <a:lightRig rig="threePt" dir="t"/>
     </dgm:scene3d>
-    <dgm:sp3d/>
     <dgm:txPr/>
     <dgm:style>
       <a:lnRef idx="2">
@@ -6577,7 +6491,6 @@
       <a:camera prst="orthographicFront"/>
       <a:lightRig rig="threePt" dir="t"/>
     </dgm:scene3d>
-    <dgm:sp3d/>
     <dgm:txPr/>
     <dgm:style>
       <a:lnRef idx="2">
@@ -6597,7 +6510,6 @@
       <a:camera prst="orthographicFront"/>
       <a:lightRig rig="threePt" dir="t"/>
     </dgm:scene3d>
-    <dgm:sp3d/>
     <dgm:txPr/>
     <dgm:style>
       <a:lnRef idx="2">
@@ -6617,7 +6529,6 @@
       <a:camera prst="orthographicFront"/>
       <a:lightRig rig="threePt" dir="t"/>
     </dgm:scene3d>
-    <dgm:sp3d/>
     <dgm:txPr/>
     <dgm:style>
       <a:lnRef idx="2">
@@ -6637,7 +6548,6 @@
       <a:camera prst="orthographicFront"/>
       <a:lightRig rig="threePt" dir="t"/>
     </dgm:scene3d>
-    <dgm:sp3d/>
     <dgm:txPr/>
     <dgm:style>
       <a:lnRef idx="2">
@@ -6657,7 +6567,6 @@
       <a:camera prst="orthographicFront"/>
       <a:lightRig rig="threePt" dir="t"/>
     </dgm:scene3d>
-    <dgm:sp3d/>
     <dgm:txPr/>
     <dgm:style>
       <a:lnRef idx="2">
@@ -6677,7 +6586,6 @@
       <a:camera prst="orthographicFront"/>
       <a:lightRig rig="threePt" dir="t"/>
     </dgm:scene3d>
-    <dgm:sp3d/>
     <dgm:txPr/>
     <dgm:style>
       <a:lnRef idx="2">
@@ -6697,7 +6605,6 @@
       <a:camera prst="orthographicFront"/>
       <a:lightRig rig="threePt" dir="t"/>
     </dgm:scene3d>
-    <dgm:sp3d/>
     <dgm:txPr/>
     <dgm:style>
       <a:lnRef idx="0">
@@ -6719,7 +6626,6 @@
       <a:camera prst="orthographicFront"/>
       <a:lightRig rig="threePt" dir="t"/>
     </dgm:scene3d>
-    <dgm:sp3d/>
     <dgm:txPr/>
     <dgm:style>
       <a:lnRef idx="2">
@@ -6741,7 +6647,6 @@
       <a:camera prst="orthographicFront"/>
       <a:lightRig rig="threePt" dir="t"/>
     </dgm:scene3d>
-    <dgm:sp3d/>
     <dgm:txPr/>
     <dgm:style>
       <a:lnRef idx="2">
@@ -6763,7 +6668,6 @@
       <a:camera prst="orthographicFront"/>
       <a:lightRig rig="threePt" dir="t"/>
     </dgm:scene3d>
-    <dgm:sp3d/>
     <dgm:txPr/>
     <dgm:style>
       <a:lnRef idx="2">
@@ -6785,7 +6689,6 @@
       <a:camera prst="orthographicFront"/>
       <a:lightRig rig="threePt" dir="t"/>
     </dgm:scene3d>
-    <dgm:sp3d/>
     <dgm:txPr/>
     <dgm:style>
       <a:lnRef idx="2">
@@ -6807,7 +6710,6 @@
       <a:camera prst="orthographicFront"/>
       <a:lightRig rig="threePt" dir="t"/>
     </dgm:scene3d>
-    <dgm:sp3d/>
     <dgm:txPr/>
     <dgm:style>
       <a:lnRef idx="2">
@@ -6829,7 +6731,6 @@
       <a:camera prst="orthographicFront"/>
       <a:lightRig rig="threePt" dir="t"/>
     </dgm:scene3d>
-    <dgm:sp3d/>
     <dgm:txPr/>
     <dgm:style>
       <a:lnRef idx="2">
@@ -6851,7 +6752,6 @@
       <a:camera prst="orthographicFront"/>
       <a:lightRig rig="threePt" dir="t"/>
     </dgm:scene3d>
-    <dgm:sp3d/>
     <dgm:txPr/>
     <dgm:style>
       <a:lnRef idx="2">
@@ -6871,7 +6771,6 @@
       <a:camera prst="orthographicFront"/>
       <a:lightRig rig="threePt" dir="t"/>
     </dgm:scene3d>
-    <dgm:sp3d/>
     <dgm:txPr/>
     <dgm:style>
       <a:lnRef idx="2">
@@ -6891,7 +6790,6 @@
       <a:camera prst="orthographicFront"/>
       <a:lightRig rig="threePt" dir="t"/>
     </dgm:scene3d>
-    <dgm:sp3d/>
     <dgm:txPr/>
     <dgm:style>
       <a:lnRef idx="2">
@@ -6911,7 +6809,6 @@
       <a:camera prst="orthographicFront"/>
       <a:lightRig rig="threePt" dir="t"/>
     </dgm:scene3d>
-    <dgm:sp3d/>
     <dgm:txPr/>
     <dgm:style>
       <a:lnRef idx="2">
@@ -6931,7 +6828,6 @@
       <a:camera prst="orthographicFront"/>
       <a:lightRig rig="threePt" dir="t"/>
     </dgm:scene3d>
-    <dgm:sp3d/>
     <dgm:txPr/>
     <dgm:style>
       <a:lnRef idx="2">
@@ -6953,7 +6849,6 @@
       <a:camera prst="orthographicFront"/>
       <a:lightRig rig="threePt" dir="t"/>
     </dgm:scene3d>
-    <dgm:sp3d/>
     <dgm:txPr/>
     <dgm:style>
       <a:lnRef idx="2">
@@ -6975,7 +6870,6 @@
       <a:camera prst="orthographicFront"/>
       <a:lightRig rig="threePt" dir="t"/>
     </dgm:scene3d>
-    <dgm:sp3d/>
     <dgm:txPr/>
     <dgm:style>
       <a:lnRef idx="2">
@@ -6997,7 +6891,6 @@
       <a:camera prst="orthographicFront"/>
       <a:lightRig rig="threePt" dir="t"/>
     </dgm:scene3d>
-    <dgm:sp3d/>
     <dgm:txPr/>
     <dgm:style>
       <a:lnRef idx="2">
@@ -7019,7 +6912,6 @@
       <a:camera prst="orthographicFront"/>
       <a:lightRig rig="threePt" dir="t"/>
     </dgm:scene3d>
-    <dgm:sp3d/>
     <dgm:txPr/>
     <dgm:style>
       <a:lnRef idx="0">
@@ -7039,7 +6931,6 @@
       <a:camera prst="orthographicFront"/>
       <a:lightRig rig="threePt" dir="t"/>
     </dgm:scene3d>
-    <dgm:sp3d/>
     <dgm:txPr/>
     <dgm:style>
       <a:lnRef idx="1">
@@ -7059,7 +6950,6 @@
       <a:camera prst="orthographicFront"/>
       <a:lightRig rig="threePt" dir="t"/>
     </dgm:scene3d>
-    <dgm:sp3d/>
     <dgm:txPr/>
     <dgm:style>
       <a:lnRef idx="0">
@@ -7081,7 +6971,6 @@
       <a:camera prst="orthographicFront"/>
       <a:lightRig rig="threePt" dir="t"/>
     </dgm:scene3d>
-    <dgm:sp3d/>
     <dgm:txPr/>
     <dgm:style>
       <a:lnRef idx="2">
@@ -7101,7 +6990,6 @@
       <a:camera prst="orthographicFront"/>
       <a:lightRig rig="threePt" dir="t"/>
     </dgm:scene3d>
-    <dgm:sp3d/>
     <dgm:txPr/>
     <dgm:style>
       <a:lnRef idx="2">
@@ -7121,7 +7009,6 @@
       <a:camera prst="orthographicFront"/>
       <a:lightRig rig="threePt" dir="t"/>
     </dgm:scene3d>
-    <dgm:sp3d/>
     <dgm:txPr/>
     <dgm:style>
       <a:lnRef idx="2">
@@ -7141,7 +7028,6 @@
       <a:camera prst="orthographicFront"/>
       <a:lightRig rig="threePt" dir="t"/>
     </dgm:scene3d>
-    <dgm:sp3d/>
     <dgm:txPr/>
     <dgm:style>
       <a:lnRef idx="1">
@@ -7161,7 +7047,6 @@
       <a:camera prst="orthographicFront"/>
       <a:lightRig rig="threePt" dir="t"/>
     </dgm:scene3d>
-    <dgm:sp3d/>
     <dgm:txPr/>
     <dgm:style>
       <a:lnRef idx="0">
@@ -7181,7 +7066,6 @@
       <a:camera prst="orthographicFront"/>
       <a:lightRig rig="threePt" dir="t"/>
     </dgm:scene3d>
-    <dgm:sp3d/>
     <dgm:txPr/>
     <dgm:style>
       <a:lnRef idx="2">
@@ -7283,7 +7167,6 @@
           <a:p>
             <a:fld id="{52BBEB64-35AE-4293-AF4C-38F790147BED}" type="datetimeFigureOut">
               <a:rPr lang="en-US" altLang="zh-CN"/>
-              <a:t>3/9/2018</a:t>
             </a:fld>
             <a:endParaRPr lang="zh-CN"/>
           </a:p>
@@ -7348,8 +7231,7 @@
           </a:lstStyle>
           <a:p>
             <a:fld id="{1DA391BE-477F-4938-A1CE-A0BB2F14A406}" type="slidenum">
-              <a:rPr lang="en-US" altLang="zh-CN"/>
-              <a:t>‹#›</a:t>
+              <a:rPr lang="zh-CN"/>
             </a:fld>
             <a:endParaRPr lang="zh-CN"/>
           </a:p>
@@ -7415,6 +7297,7 @@
               <a:t>
             </a:t>
             </a:r>
+            <a:endParaRPr lang="zh-CN"/>
           </a:p>
         </p:txBody>
       </p:sp>
@@ -7452,13 +7335,13 @@
             </a:r>
             <a:fld id="{BC2AE60B-075F-4DD5-8053-C8426E2D0DAD}" type="datetimeFigureOut">
               <a:rPr lang="zh-CN" altLang="en-US"/>
-              <a:t>2018/3/9</a:t>
             </a:fld>
             <a:r>
               <a:rPr lang="zh-CN"/>
               <a:t>
             </a:t>
             </a:r>
+            <a:endParaRPr lang="zh-CN"/>
           </a:p>
         </p:txBody>
       </p:sp>
@@ -7496,6 +7379,7 @@
               <a:t>
             </a:t>
             </a:r>
+            <a:endParaRPr lang="zh-CN"/>
           </a:p>
         </p:txBody>
       </p:sp>
@@ -7529,6 +7413,7 @@
               单击此处编辑母版文本样式
           </a:t>
             </a:r>
+            <a:endParaRPr lang="zh-CN"/>
           </a:p>
           <a:p>
             <a:pPr lvl="1"/>
@@ -7538,6 +7423,7 @@
               第二级
           </a:t>
             </a:r>
+            <a:endParaRPr lang="zh-CN"/>
           </a:p>
           <a:p>
             <a:pPr lvl="2"/>
@@ -7547,6 +7433,7 @@
               第三级
           </a:t>
             </a:r>
+            <a:endParaRPr lang="zh-CN"/>
           </a:p>
           <a:p>
             <a:pPr lvl="3"/>
@@ -7556,6 +7443,7 @@
               第四级
           </a:t>
             </a:r>
+            <a:endParaRPr lang="zh-CN"/>
           </a:p>
           <a:p>
             <a:pPr lvl="4"/>
@@ -7565,6 +7453,7 @@
               第五级
           </a:t>
             </a:r>
+            <a:endParaRPr lang="zh-CN"/>
           </a:p>
         </p:txBody>
       </p:sp>
@@ -7600,6 +7489,7 @@
               <a:t>
             </a:t>
             </a:r>
+            <a:endParaRPr lang="zh-CN"/>
           </a:p>
         </p:txBody>
       </p:sp>
@@ -7636,14 +7526,14 @@
             </a:t>
             </a:r>
             <a:fld id="{965799C3-014C-4660-8E6C-35FB9C38CE6F}" type="slidenum">
-              <a:rPr lang="en-US" altLang="zh-CN"/>
-              <a:t>‹#›</a:t>
+              <a:rPr lang="zh-CN"/>
             </a:fld>
             <a:r>
               <a:rPr lang="zh-CN"/>
               <a:t>
             </a:t>
             </a:r>
+            <a:endParaRPr lang="zh-CN"/>
           </a:p>
         </p:txBody>
       </p:sp>
@@ -7892,13 +7782,13 @@
             </a:r>
             <a:fld id="{A8224893-DBDA-4BFA-9CE1-4BFE7CD0F8CF}" type="datetime1">
               <a:rPr lang="zh-CN" altLang="en-US"/>
-              <a:t>2018/3/9</a:t>
             </a:fld>
             <a:r>
               <a:rPr lang="zh-CN"/>
               <a:t>
             </a:t>
             </a:r>
+            <a:endParaRPr lang="zh-CN"/>
           </a:p>
         </p:txBody>
       </p:sp>
@@ -7922,6 +7812,7 @@
               <a:t>
             </a:t>
             </a:r>
+            <a:endParaRPr lang="zh-CN"/>
           </a:p>
         </p:txBody>
       </p:sp>
@@ -7946,14 +7837,14 @@
             </a:t>
             </a:r>
             <a:fld id="{4FAB73BC-B049-4115-A692-8D63A059BFB8}" type="slidenum">
-              <a:rPr lang="en-US" altLang="zh-CN"/>
-              <a:t>‹#›</a:t>
+              <a:rPr lang="zh-CN"/>
             </a:fld>
             <a:r>
               <a:rPr lang="zh-CN"/>
               <a:t>
             </a:t>
             </a:r>
+            <a:endParaRPr lang="zh-CN"/>
           </a:p>
         </p:txBody>
       </p:sp>
@@ -8025,6 +7916,7 @@
               <a:rPr lang="zh-CN" altLang="ja-JP"/>
               <a:t>单击此处编辑母版文本样式</a:t>
             </a:r>
+            <a:endParaRPr lang="zh-CN" altLang="ja-JP"/>
           </a:p>
           <a:p>
             <a:pPr lvl="1"/>
@@ -8032,6 +7924,7 @@
               <a:rPr lang="zh-CN" altLang="ja-JP"/>
               <a:t>第二级</a:t>
             </a:r>
+            <a:endParaRPr lang="zh-CN" altLang="ja-JP"/>
           </a:p>
           <a:p>
             <a:pPr lvl="2"/>
@@ -8039,6 +7932,7 @@
               <a:rPr lang="zh-CN" altLang="ja-JP"/>
               <a:t>第三级</a:t>
             </a:r>
+            <a:endParaRPr lang="zh-CN" altLang="ja-JP"/>
           </a:p>
           <a:p>
             <a:pPr lvl="3"/>
@@ -8046,6 +7940,7 @@
               <a:rPr lang="zh-CN" altLang="ja-JP"/>
               <a:t>第四级</a:t>
             </a:r>
+            <a:endParaRPr lang="zh-CN" altLang="ja-JP"/>
           </a:p>
           <a:p>
             <a:pPr lvl="4"/>
@@ -8053,6 +7948,7 @@
               <a:rPr lang="zh-CN" altLang="ja-JP"/>
               <a:t>第五级</a:t>
             </a:r>
+            <a:endParaRPr lang="zh-CN" altLang="ja-JP"/>
           </a:p>
         </p:txBody>
       </p:sp>
@@ -8078,13 +7974,13 @@
             </a:r>
             <a:fld id="{5F4E5243-F52A-4D37-9694-EB26C6C31910}" type="datetime1">
               <a:rPr lang="zh-CN" altLang="en-US"/>
-              <a:t>2018/3/9</a:t>
             </a:fld>
             <a:r>
               <a:rPr lang="zh-CN"/>
               <a:t>
             </a:t>
             </a:r>
+            <a:endParaRPr lang="zh-CN"/>
           </a:p>
         </p:txBody>
       </p:sp>
@@ -8108,6 +8004,7 @@
               <a:t>
             </a:t>
             </a:r>
+            <a:endParaRPr lang="zh-CN"/>
           </a:p>
         </p:txBody>
       </p:sp>
@@ -8132,14 +8029,14 @@
             </a:t>
             </a:r>
             <a:fld id="{4FAB73BC-B049-4115-A692-8D63A059BFB8}" type="slidenum">
-              <a:rPr lang="en-US" altLang="zh-CN"/>
-              <a:t>‹#›</a:t>
+              <a:rPr lang="zh-CN"/>
             </a:fld>
             <a:r>
               <a:rPr lang="zh-CN"/>
               <a:t>
             </a:t>
             </a:r>
+            <a:endParaRPr lang="zh-CN"/>
           </a:p>
         </p:txBody>
       </p:sp>
@@ -8221,6 +8118,7 @@
               <a:rPr lang="zh-CN" altLang="ja-JP"/>
               <a:t>单击此处编辑母版文本样式</a:t>
             </a:r>
+            <a:endParaRPr lang="zh-CN" altLang="ja-JP"/>
           </a:p>
           <a:p>
             <a:pPr lvl="1"/>
@@ -8228,6 +8126,7 @@
               <a:rPr lang="zh-CN" altLang="ja-JP"/>
               <a:t>第二级</a:t>
             </a:r>
+            <a:endParaRPr lang="zh-CN" altLang="ja-JP"/>
           </a:p>
           <a:p>
             <a:pPr lvl="2"/>
@@ -8235,6 +8134,7 @@
               <a:rPr lang="zh-CN" altLang="ja-JP"/>
               <a:t>第三级</a:t>
             </a:r>
+            <a:endParaRPr lang="zh-CN" altLang="ja-JP"/>
           </a:p>
           <a:p>
             <a:pPr lvl="3"/>
@@ -8242,6 +8142,7 @@
               <a:rPr lang="zh-CN" altLang="ja-JP"/>
               <a:t>第四级</a:t>
             </a:r>
+            <a:endParaRPr lang="zh-CN" altLang="ja-JP"/>
           </a:p>
           <a:p>
             <a:pPr lvl="4"/>
@@ -8249,6 +8150,7 @@
               <a:rPr lang="zh-CN" altLang="ja-JP"/>
               <a:t>第五级</a:t>
             </a:r>
+            <a:endParaRPr lang="zh-CN" altLang="ja-JP"/>
           </a:p>
         </p:txBody>
       </p:sp>
@@ -8274,13 +8176,13 @@
             </a:r>
             <a:fld id="{3A77B6E1-634A-48DC-9E8B-D894023267EF}" type="datetime1">
               <a:rPr lang="zh-CN" altLang="en-US"/>
-              <a:t>2018/3/9</a:t>
             </a:fld>
             <a:r>
               <a:rPr lang="zh-CN"/>
               <a:t>
             </a:t>
             </a:r>
+            <a:endParaRPr lang="zh-CN"/>
           </a:p>
         </p:txBody>
       </p:sp>
@@ -8304,6 +8206,7 @@
               <a:t>
             </a:t>
             </a:r>
+            <a:endParaRPr lang="zh-CN"/>
           </a:p>
         </p:txBody>
       </p:sp>
@@ -8328,14 +8231,14 @@
             </a:t>
             </a:r>
             <a:fld id="{4FAB73BC-B049-4115-A692-8D63A059BFB8}" type="slidenum">
-              <a:rPr lang="en-US" altLang="zh-CN"/>
-              <a:t>‹#›</a:t>
+              <a:rPr lang="zh-CN"/>
             </a:fld>
             <a:r>
               <a:rPr lang="zh-CN"/>
               <a:t>
             </a:t>
             </a:r>
+            <a:endParaRPr lang="zh-CN"/>
           </a:p>
         </p:txBody>
       </p:sp>
@@ -8407,6 +8310,7 @@
               <a:rPr lang="zh-CN" altLang="ja-JP"/>
               <a:t>单击此处编辑母版文本样式</a:t>
             </a:r>
+            <a:endParaRPr lang="zh-CN" altLang="ja-JP"/>
           </a:p>
           <a:p>
             <a:pPr lvl="1"/>
@@ -8414,6 +8318,7 @@
               <a:rPr lang="zh-CN" altLang="ja-JP"/>
               <a:t>第二级</a:t>
             </a:r>
+            <a:endParaRPr lang="zh-CN" altLang="ja-JP"/>
           </a:p>
           <a:p>
             <a:pPr lvl="2"/>
@@ -8421,6 +8326,7 @@
               <a:rPr lang="zh-CN" altLang="ja-JP"/>
               <a:t>第三级</a:t>
             </a:r>
+            <a:endParaRPr lang="zh-CN" altLang="ja-JP"/>
           </a:p>
           <a:p>
             <a:pPr lvl="3"/>
@@ -8428,6 +8334,7 @@
               <a:rPr lang="zh-CN" altLang="ja-JP"/>
               <a:t>第四级</a:t>
             </a:r>
+            <a:endParaRPr lang="zh-CN" altLang="ja-JP"/>
           </a:p>
           <a:p>
             <a:pPr lvl="4"/>
@@ -8435,6 +8342,7 @@
               <a:rPr lang="zh-CN" altLang="ja-JP"/>
               <a:t>第五级</a:t>
             </a:r>
+            <a:endParaRPr lang="zh-CN" altLang="ja-JP"/>
           </a:p>
         </p:txBody>
       </p:sp>
@@ -8460,13 +8368,13 @@
             </a:r>
             <a:fld id="{7B2D3E9E-A95C-48F2-B4BF-A71542E0BE9A}" type="datetime1">
               <a:rPr lang="zh-CN" altLang="en-US"/>
-              <a:t>2018/3/9</a:t>
             </a:fld>
             <a:r>
               <a:rPr lang="zh-CN"/>
               <a:t>
             </a:t>
             </a:r>
+            <a:endParaRPr lang="zh-CN"/>
           </a:p>
         </p:txBody>
       </p:sp>
@@ -8490,6 +8398,7 @@
               <a:t>
             </a:t>
             </a:r>
+            <a:endParaRPr lang="zh-CN"/>
           </a:p>
         </p:txBody>
       </p:sp>
@@ -8514,14 +8423,14 @@
             </a:t>
             </a:r>
             <a:fld id="{4FAB73BC-B049-4115-A692-8D63A059BFB8}" type="slidenum">
-              <a:rPr lang="en-US" altLang="zh-CN"/>
-              <a:t>‹#›</a:t>
+              <a:rPr lang="zh-CN"/>
             </a:fld>
             <a:r>
               <a:rPr lang="zh-CN"/>
               <a:t>
             </a:t>
             </a:r>
+            <a:endParaRPr lang="zh-CN"/>
           </a:p>
         </p:txBody>
       </p:sp>
@@ -8729,13 +8638,13 @@
             </a:r>
             <a:fld id="{A50F84E2-2D7A-43CF-AC90-352A289A783A}" type="datetime1">
               <a:rPr lang="zh-CN" altLang="en-US"/>
-              <a:t>2018/3/9</a:t>
             </a:fld>
             <a:r>
               <a:rPr lang="zh-CN"/>
               <a:t>
             </a:t>
             </a:r>
+            <a:endParaRPr lang="zh-CN"/>
           </a:p>
         </p:txBody>
       </p:sp>
@@ -8759,6 +8668,7 @@
               <a:t>
             </a:t>
             </a:r>
+            <a:endParaRPr lang="zh-CN"/>
           </a:p>
         </p:txBody>
       </p:sp>
@@ -8783,14 +8693,14 @@
             </a:t>
             </a:r>
             <a:fld id="{4FAB73BC-B049-4115-A692-8D63A059BFB8}" type="slidenum">
-              <a:rPr lang="en-US" altLang="zh-CN"/>
-              <a:t>‹#›</a:t>
+              <a:rPr lang="zh-CN"/>
             </a:fld>
             <a:r>
               <a:rPr lang="zh-CN"/>
               <a:t>
             </a:t>
             </a:r>
+            <a:endParaRPr lang="zh-CN"/>
           </a:p>
         </p:txBody>
       </p:sp>
@@ -8897,6 +8807,7 @@
               <a:rPr lang="zh-CN" altLang="ja-JP"/>
               <a:t>单击此处编辑母版文本样式</a:t>
             </a:r>
+            <a:endParaRPr lang="zh-CN" altLang="ja-JP"/>
           </a:p>
           <a:p>
             <a:pPr lvl="1"/>
@@ -8904,6 +8815,7 @@
               <a:rPr lang="zh-CN" altLang="ja-JP"/>
               <a:t>第二级</a:t>
             </a:r>
+            <a:endParaRPr lang="zh-CN" altLang="ja-JP"/>
           </a:p>
           <a:p>
             <a:pPr lvl="2"/>
@@ -8911,6 +8823,7 @@
               <a:rPr lang="zh-CN" altLang="ja-JP"/>
               <a:t>第三级</a:t>
             </a:r>
+            <a:endParaRPr lang="zh-CN" altLang="ja-JP"/>
           </a:p>
           <a:p>
             <a:pPr lvl="3"/>
@@ -8918,6 +8831,7 @@
               <a:rPr lang="zh-CN" altLang="ja-JP"/>
               <a:t>第四级</a:t>
             </a:r>
+            <a:endParaRPr lang="zh-CN" altLang="ja-JP"/>
           </a:p>
           <a:p>
             <a:pPr lvl="4"/>
@@ -8925,6 +8839,7 @@
               <a:rPr lang="zh-CN" altLang="ja-JP"/>
               <a:t>第五级</a:t>
             </a:r>
+            <a:endParaRPr lang="zh-CN" altLang="ja-JP"/>
           </a:p>
         </p:txBody>
       </p:sp>
@@ -8983,6 +8898,7 @@
               <a:rPr lang="zh-CN" altLang="ja-JP"/>
               <a:t>单击此处编辑母版文本样式</a:t>
             </a:r>
+            <a:endParaRPr lang="zh-CN" altLang="ja-JP"/>
           </a:p>
           <a:p>
             <a:pPr lvl="1"/>
@@ -8990,6 +8906,7 @@
               <a:rPr lang="zh-CN" altLang="ja-JP"/>
               <a:t>第二级</a:t>
             </a:r>
+            <a:endParaRPr lang="zh-CN" altLang="ja-JP"/>
           </a:p>
           <a:p>
             <a:pPr lvl="2"/>
@@ -8997,6 +8914,7 @@
               <a:rPr lang="zh-CN" altLang="ja-JP"/>
               <a:t>第三级</a:t>
             </a:r>
+            <a:endParaRPr lang="zh-CN" altLang="ja-JP"/>
           </a:p>
           <a:p>
             <a:pPr lvl="3"/>
@@ -9004,6 +8922,7 @@
               <a:rPr lang="zh-CN" altLang="ja-JP"/>
               <a:t>第四级</a:t>
             </a:r>
+            <a:endParaRPr lang="zh-CN" altLang="ja-JP"/>
           </a:p>
           <a:p>
             <a:pPr lvl="4"/>
@@ -9011,6 +8930,7 @@
               <a:rPr lang="zh-CN" altLang="ja-JP"/>
               <a:t>第五级</a:t>
             </a:r>
+            <a:endParaRPr lang="zh-CN" altLang="ja-JP"/>
           </a:p>
         </p:txBody>
       </p:sp>
@@ -9036,13 +8956,13 @@
             </a:r>
             <a:fld id="{F12952B5-7A2F-4CC8-B7CE-9234E21C2837}" type="datetime1">
               <a:rPr lang="zh-CN" altLang="en-US"/>
-              <a:t>2018/3/9</a:t>
             </a:fld>
             <a:r>
               <a:rPr lang="zh-CN"/>
               <a:t>
             </a:t>
             </a:r>
+            <a:endParaRPr lang="zh-CN"/>
           </a:p>
         </p:txBody>
       </p:sp>
@@ -9066,6 +8986,7 @@
               <a:t>
             </a:t>
             </a:r>
+            <a:endParaRPr lang="zh-CN"/>
           </a:p>
         </p:txBody>
       </p:sp>
@@ -9090,14 +9011,14 @@
             </a:t>
             </a:r>
             <a:fld id="{4FAB73BC-B049-4115-A692-8D63A059BFB8}" type="slidenum">
-              <a:rPr lang="en-US" altLang="zh-CN"/>
-              <a:t>‹#›</a:t>
+              <a:rPr lang="zh-CN"/>
             </a:fld>
             <a:r>
               <a:rPr lang="zh-CN"/>
               <a:t>
             </a:t>
             </a:r>
+            <a:endParaRPr lang="zh-CN"/>
           </a:p>
         </p:txBody>
       </p:sp>
@@ -9249,6 +9170,7 @@
               <a:rPr lang="zh-CN" altLang="ja-JP"/>
               <a:t>单击此处编辑母版文本样式</a:t>
             </a:r>
+            <a:endParaRPr lang="zh-CN" altLang="ja-JP"/>
           </a:p>
           <a:p>
             <a:pPr lvl="1"/>
@@ -9256,6 +9178,7 @@
               <a:rPr lang="zh-CN" altLang="ja-JP"/>
               <a:t>第二级</a:t>
             </a:r>
+            <a:endParaRPr lang="zh-CN" altLang="ja-JP"/>
           </a:p>
           <a:p>
             <a:pPr lvl="2"/>
@@ -9263,6 +9186,7 @@
               <a:rPr lang="zh-CN" altLang="ja-JP"/>
               <a:t>第三级</a:t>
             </a:r>
+            <a:endParaRPr lang="zh-CN" altLang="ja-JP"/>
           </a:p>
           <a:p>
             <a:pPr lvl="3"/>
@@ -9270,6 +9194,7 @@
               <a:rPr lang="zh-CN" altLang="ja-JP"/>
               <a:t>第四级</a:t>
             </a:r>
+            <a:endParaRPr lang="zh-CN" altLang="ja-JP"/>
           </a:p>
           <a:p>
             <a:pPr lvl="4"/>
@@ -9277,6 +9202,7 @@
               <a:rPr lang="zh-CN" altLang="ja-JP"/>
               <a:t>第五级</a:t>
             </a:r>
+            <a:endParaRPr lang="zh-CN" altLang="ja-JP"/>
           </a:p>
         </p:txBody>
       </p:sp>
@@ -9401,6 +9327,7 @@
               <a:rPr lang="zh-CN" altLang="ja-JP"/>
               <a:t>单击此处编辑母版文本样式</a:t>
             </a:r>
+            <a:endParaRPr lang="zh-CN" altLang="ja-JP"/>
           </a:p>
           <a:p>
             <a:pPr lvl="1"/>
@@ -9408,6 +9335,7 @@
               <a:rPr lang="zh-CN" altLang="ja-JP"/>
               <a:t>第二级</a:t>
             </a:r>
+            <a:endParaRPr lang="zh-CN" altLang="ja-JP"/>
           </a:p>
           <a:p>
             <a:pPr lvl="2"/>
@@ -9415,6 +9343,7 @@
               <a:rPr lang="zh-CN" altLang="ja-JP"/>
               <a:t>第三级</a:t>
             </a:r>
+            <a:endParaRPr lang="zh-CN" altLang="ja-JP"/>
           </a:p>
           <a:p>
             <a:pPr lvl="3"/>
@@ -9422,6 +9351,7 @@
               <a:rPr lang="zh-CN" altLang="ja-JP"/>
               <a:t>第四级</a:t>
             </a:r>
+            <a:endParaRPr lang="zh-CN" altLang="ja-JP"/>
           </a:p>
           <a:p>
             <a:pPr lvl="4"/>
@@ -9429,6 +9359,7 @@
               <a:rPr lang="zh-CN" altLang="ja-JP"/>
               <a:t>第五级</a:t>
             </a:r>
+            <a:endParaRPr lang="zh-CN" altLang="ja-JP"/>
           </a:p>
         </p:txBody>
       </p:sp>
@@ -9454,13 +9385,13 @@
             </a:r>
             <a:fld id="{CE1DA07A-9201-4B4B-BAF2-015AFA30F520}" type="datetime1">
               <a:rPr lang="zh-CN" altLang="en-US"/>
-              <a:t>2018/3/9</a:t>
             </a:fld>
             <a:r>
               <a:rPr lang="zh-CN"/>
               <a:t>
             </a:t>
             </a:r>
+            <a:endParaRPr lang="zh-CN"/>
           </a:p>
         </p:txBody>
       </p:sp>
@@ -9484,6 +9415,7 @@
               <a:t>
             </a:t>
             </a:r>
+            <a:endParaRPr lang="zh-CN"/>
           </a:p>
         </p:txBody>
       </p:sp>
@@ -9508,14 +9440,14 @@
             </a:t>
             </a:r>
             <a:fld id="{4FAB73BC-B049-4115-A692-8D63A059BFB8}" type="slidenum">
-              <a:rPr lang="en-US" altLang="zh-CN"/>
-              <a:t>‹#›</a:t>
+              <a:rPr lang="zh-CN"/>
             </a:fld>
             <a:r>
               <a:rPr lang="zh-CN"/>
               <a:t>
             </a:t>
             </a:r>
+            <a:endParaRPr lang="zh-CN"/>
           </a:p>
         </p:txBody>
       </p:sp>
@@ -9589,13 +9521,13 @@
             </a:r>
             <a:fld id="{73D7E00A-486F-4252-8B1D-E32645521F49}" type="datetime1">
               <a:rPr lang="zh-CN" altLang="en-US"/>
-              <a:t>2018/3/9</a:t>
             </a:fld>
             <a:r>
               <a:rPr lang="zh-CN"/>
               <a:t>
             </a:t>
             </a:r>
+            <a:endParaRPr lang="zh-CN"/>
           </a:p>
         </p:txBody>
       </p:sp>
@@ -9619,6 +9551,7 @@
               <a:t>
             </a:t>
             </a:r>
+            <a:endParaRPr lang="zh-CN"/>
           </a:p>
         </p:txBody>
       </p:sp>
@@ -9643,14 +9576,14 @@
             </a:t>
             </a:r>
             <a:fld id="{4FAB73BC-B049-4115-A692-8D63A059BFB8}" type="slidenum">
-              <a:rPr lang="en-US" altLang="zh-CN"/>
-              <a:t>‹#›</a:t>
+              <a:rPr lang="zh-CN"/>
             </a:fld>
             <a:r>
               <a:rPr lang="zh-CN"/>
               <a:t>
             </a:t>
             </a:r>
+            <a:endParaRPr lang="zh-CN"/>
           </a:p>
         </p:txBody>
       </p:sp>
@@ -9718,8 +9651,7 @@
           <a:lstStyle/>
           <a:p>
             <a:fld id="{8DDF5F92-E675-4B36-9A60-69A962A68675}" type="datetime1">
-              <a:rPr lang="zh-CN" altLang="en-US"/>
-              <a:t>2018/3/9</a:t>
+              <a:rPr/>
             </a:fld>
             <a:endParaRPr lang="zh-CN"/>
           </a:p>
@@ -9761,7 +9693,6 @@
           <a:p>
             <a:fld id="{4FAB73BC-B049-4115-A692-8D63A059BFB8}" type="slidenum">
               <a:rPr/>
-              <a:t>‹#›</a:t>
             </a:fld>
             <a:endParaRPr lang="zh-CN"/>
           </a:p>
@@ -9881,6 +9812,7 @@
               <a:rPr lang="zh-CN" altLang="en-US"/>
               <a:t>编辑母版文本样式</a:t>
             </a:r>
+            <a:endParaRPr lang="zh-CN" altLang="en-US"/>
           </a:p>
           <a:p>
             <a:pPr lvl="1"/>
@@ -9888,6 +9820,7 @@
               <a:rPr lang="zh-CN" altLang="en-US"/>
               <a:t>第二级</a:t>
             </a:r>
+            <a:endParaRPr lang="zh-CN" altLang="en-US"/>
           </a:p>
           <a:p>
             <a:pPr lvl="2"/>
@@ -9895,6 +9828,7 @@
               <a:rPr lang="zh-CN" altLang="en-US"/>
               <a:t>第三级</a:t>
             </a:r>
+            <a:endParaRPr lang="zh-CN" altLang="en-US"/>
           </a:p>
           <a:p>
             <a:pPr lvl="3"/>
@@ -9902,6 +9836,7 @@
               <a:rPr lang="zh-CN" altLang="en-US"/>
               <a:t>第四级</a:t>
             </a:r>
+            <a:endParaRPr lang="zh-CN" altLang="en-US"/>
           </a:p>
           <a:p>
             <a:pPr lvl="4"/>
@@ -9980,6 +9915,7 @@
               <a:rPr lang="zh-CN" altLang="en-US"/>
               <a:t>编辑母版文本样式</a:t>
             </a:r>
+            <a:endParaRPr lang="zh-CN" altLang="en-US"/>
           </a:p>
         </p:txBody>
       </p:sp>
@@ -9999,8 +9935,7 @@
           <a:lstStyle/>
           <a:p>
             <a:fld id="{AF6E2C9B-5FA2-460D-9BE7-B0812FC2A6FF}" type="datetime1">
-              <a:rPr lang="zh-CN" altLang="en-US"/>
-              <a:t>2018/3/9</a:t>
+              <a:rPr/>
             </a:fld>
             <a:endParaRPr lang="zh-CN"/>
           </a:p>
@@ -10042,7 +9977,6 @@
           <a:p>
             <a:fld id="{4FAB73BC-B049-4115-A692-8D63A059BFB8}" type="slidenum">
               <a:rPr/>
-              <a:t>‹#›</a:t>
             </a:fld>
             <a:endParaRPr lang="zh-CN"/>
           </a:p>
@@ -10241,6 +10175,7 @@
               <a:rPr lang="zh-CN" altLang="en-US"/>
               <a:t>编辑母版文本样式</a:t>
             </a:r>
+            <a:endParaRPr lang="zh-CN" altLang="en-US"/>
           </a:p>
         </p:txBody>
       </p:sp>
@@ -10260,8 +10195,7 @@
           <a:lstStyle/>
           <a:p>
             <a:fld id="{1D374940-A916-4C8B-9648-02A2D3898F9E}" type="datetime1">
-              <a:rPr lang="zh-CN" altLang="en-US"/>
-              <a:t>2018/3/9</a:t>
+              <a:rPr/>
             </a:fld>
             <a:endParaRPr lang="zh-CN"/>
           </a:p>
@@ -10303,7 +10237,6 @@
           <a:p>
             <a:fld id="{4FAB73BC-B049-4115-A692-8D63A059BFB8}" type="slidenum">
               <a:rPr/>
-              <a:t>‹#›</a:t>
             </a:fld>
             <a:endParaRPr lang="zh-CN"/>
           </a:p>
@@ -10402,6 +10335,7 @@
               <a:rPr lang="zh-CN" altLang="ja-JP"/>
               <a:t>单击此处编辑母版文本样式</a:t>
             </a:r>
+            <a:endParaRPr lang="zh-CN" altLang="ja-JP"/>
           </a:p>
           <a:p>
             <a:pPr lvl="1"/>
@@ -10409,6 +10343,7 @@
               <a:rPr lang="zh-CN" altLang="ja-JP"/>
               <a:t>第二级</a:t>
             </a:r>
+            <a:endParaRPr lang="zh-CN" altLang="ja-JP"/>
           </a:p>
           <a:p>
             <a:pPr lvl="2"/>
@@ -10416,6 +10351,7 @@
               <a:rPr lang="zh-CN" altLang="ja-JP"/>
               <a:t>第三级</a:t>
             </a:r>
+            <a:endParaRPr lang="zh-CN" altLang="ja-JP"/>
           </a:p>
           <a:p>
             <a:pPr lvl="3"/>
@@ -10423,6 +10359,7 @@
               <a:rPr lang="zh-CN" altLang="ja-JP"/>
               <a:t>第四级</a:t>
             </a:r>
+            <a:endParaRPr lang="zh-CN" altLang="ja-JP"/>
           </a:p>
           <a:p>
             <a:pPr lvl="4"/>
@@ -10430,6 +10367,7 @@
               <a:rPr lang="zh-CN" altLang="ja-JP"/>
               <a:t>第五级</a:t>
             </a:r>
+            <a:endParaRPr lang="zh-CN" altLang="ja-JP"/>
           </a:p>
         </p:txBody>
       </p:sp>
@@ -10476,7 +10414,6 @@
             </a:r>
             <a:fld id="{5586B75A-687E-405C-8A0B-8D00578BA2C3}" type="datetime1">
               <a:rPr lang="zh-CN" altLang="en-US" smtClean="0"/>
-              <a:t>2018/3/9</a:t>
             </a:fld>
             <a:r>
               <a:t>
@@ -10526,6 +10463,7 @@
               <a:t>
             </a:t>
             </a:r>
+            <a:endParaRPr lang="zh-CN" altLang="en-US"/>
           </a:p>
         </p:txBody>
       </p:sp>
@@ -10571,7 +10509,6 @@
             </a:r>
             <a:fld id="{4FAB73BC-B049-4115-A692-8D63A059BFB8}" type="slidenum">
               <a:rPr lang="zh-CN" altLang="en-US" smtClean="0"/>
-              <a:t>‹#›</a:t>
             </a:fld>
             <a:r>
               <a:t>
@@ -10995,6 +10932,13 @@
               </a:rPr>
               <a:t> Zhang</a:t>
             </a:r>
+            <a:endParaRPr lang="en-US" altLang="zh-CN" dirty="0">
+              <a:highlight>
+                <a:srgbClr val="F5A349"/>
+              </a:highlight>
+              <a:latin typeface="Times New Roman" panose="02020603050405020304" pitchFamily="18" charset="0"/>
+              <a:cs typeface="Times New Roman" panose="02020603050405020304" pitchFamily="18" charset="0"/>
+            </a:endParaRPr>
           </a:p>
           <a:p>
             <a:r>
@@ -11040,7 +10984,7 @@
             <p:nvPr/>
           </p:nvPicPr>
           <p:blipFill>
-            <a:blip r:embed="rId2">
+            <a:blip r:embed="rId1">
               <a:extLst>
                 <a:ext uri="{28A0092B-C50C-407E-A947-70E740481C1C}">
                   <a14:useLocalDpi xmlns:a14="http://schemas.microsoft.com/office/drawing/2010/main" val="0"/>
@@ -11070,7 +11014,7 @@
             <p:nvPr/>
           </p:nvPicPr>
           <p:blipFill>
-            <a:blip r:embed="rId3">
+            <a:blip r:embed="rId2">
               <a:extLst>
                 <a:ext uri="{28A0092B-C50C-407E-A947-70E740481C1C}">
                   <a14:useLocalDpi xmlns:a14="http://schemas.microsoft.com/office/drawing/2010/main" val="0"/>
@@ -11100,7 +11044,7 @@
             <p:nvPr/>
           </p:nvPicPr>
           <p:blipFill>
-            <a:blip r:embed="rId4">
+            <a:blip r:embed="rId3">
               <a:extLst>
                 <a:ext uri="{28A0092B-C50C-407E-A947-70E740481C1C}">
                   <a14:useLocalDpi xmlns:a14="http://schemas.microsoft.com/office/drawing/2010/main" val="0"/>
@@ -11130,7 +11074,7 @@
             <p:nvPr/>
           </p:nvPicPr>
           <p:blipFill>
-            <a:blip r:embed="rId5">
+            <a:blip r:embed="rId4">
               <a:extLst>
                 <a:ext uri="{28A0092B-C50C-407E-A947-70E740481C1C}">
                   <a14:useLocalDpi xmlns:a14="http://schemas.microsoft.com/office/drawing/2010/main" val="0"/>
@@ -11160,7 +11104,7 @@
             <p:nvPr/>
           </p:nvPicPr>
           <p:blipFill>
-            <a:blip r:embed="rId6">
+            <a:blip r:embed="rId5">
               <a:extLst>
                 <a:ext uri="{28A0092B-C50C-407E-A947-70E740481C1C}">
                   <a14:useLocalDpi xmlns:a14="http://schemas.microsoft.com/office/drawing/2010/main" val="0"/>
@@ -11190,7 +11134,7 @@
             <p:nvPr/>
           </p:nvPicPr>
           <p:blipFill>
-            <a:blip r:embed="rId7">
+            <a:blip r:embed="rId6">
               <a:extLst>
                 <a:ext uri="{28A0092B-C50C-407E-A947-70E740481C1C}">
                   <a14:useLocalDpi xmlns:a14="http://schemas.microsoft.com/office/drawing/2010/main" val="0"/>
@@ -11220,7 +11164,7 @@
             <p:nvPr/>
           </p:nvPicPr>
           <p:blipFill>
-            <a:blip r:embed="rId8">
+            <a:blip r:embed="rId7">
               <a:extLst>
                 <a:ext uri="{28A0092B-C50C-407E-A947-70E740481C1C}">
                   <a14:useLocalDpi xmlns:a14="http://schemas.microsoft.com/office/drawing/2010/main" val="0"/>
@@ -11299,7 +11243,7 @@
           <p:nvPr/>
         </p:nvPicPr>
         <p:blipFill>
-          <a:blip r:embed="rId2">
+          <a:blip r:embed="rId1">
             <a:extLst>
               <a:ext uri="{28A0092B-C50C-407E-A947-70E740481C1C}">
                 <a14:useLocalDpi xmlns:a14="http://schemas.microsoft.com/office/drawing/2010/main" val="0"/>
@@ -11347,6 +11291,87 @@
       </p:grpSpPr>
       <p:sp>
         <p:nvSpPr>
+          <p:cNvPr id="2" name="标题 1"/>
+          <p:cNvSpPr>
+            <a:spLocks noGrp="1"/>
+          </p:cNvSpPr>
+          <p:nvPr>
+            <p:ph type="title"/>
+          </p:nvPr>
+        </p:nvSpPr>
+        <p:spPr/>
+        <p:txBody>
+          <a:bodyPr/>
+          <a:lstStyle/>
+          <a:p>
+            <a:r>
+              <a:rPr lang="en-US" altLang="zh-CN" b="1" dirty="0"/>
+              <a:t>Data Analysis and Visualization</a:t>
+            </a:r>
+            <a:br>
+              <a:rPr lang="zh-CN" altLang="en-US" b="1" dirty="0"/>
+            </a:br>
+            <a:endParaRPr lang="zh-CN" altLang="en-US" dirty="0"/>
+          </a:p>
+        </p:txBody>
+      </p:sp>
+      <p:pic>
+        <p:nvPicPr>
+          <p:cNvPr id="4" name="图片 3"/>
+          <p:cNvPicPr>
+            <a:picLocks noChangeAspect="1"/>
+          </p:cNvPicPr>
+          <p:nvPr/>
+        </p:nvPicPr>
+        <p:blipFill>
+          <a:blip r:embed="rId1">
+            <a:extLst>
+              <a:ext uri="{28A0092B-C50C-407E-A947-70E740481C1C}">
+                <a14:useLocalDpi xmlns:a14="http://schemas.microsoft.com/office/drawing/2010/main" val="0"/>
+              </a:ext>
+            </a:extLst>
+          </a:blip>
+          <a:stretch>
+            <a:fillRect/>
+          </a:stretch>
+        </p:blipFill>
+        <p:spPr>
+          <a:xfrm>
+            <a:off x="1409441" y="1145265"/>
+            <a:ext cx="8769801" cy="5346975"/>
+          </a:xfrm>
+          <a:prstGeom prst="rect">
+            <a:avLst/>
+          </a:prstGeom>
+        </p:spPr>
+      </p:pic>
+    </p:spTree>
+  </p:cSld>
+  <p:clrMapOvr>
+    <a:masterClrMapping/>
+  </p:clrMapOvr>
+</p:sld>
+</file>
+
+<file path=ppt/slides/slide12.xml><?xml version="1.0" encoding="utf-8"?>
+<p:sld xmlns:a="http://schemas.openxmlformats.org/drawingml/2006/main" xmlns:r="http://schemas.openxmlformats.org/officeDocument/2006/relationships" xmlns:p="http://schemas.openxmlformats.org/presentationml/2006/main">
+  <p:cSld>
+    <p:spTree>
+      <p:nvGrpSpPr>
+        <p:cNvPr id="1" name=""/>
+        <p:cNvGrpSpPr/>
+        <p:nvPr/>
+      </p:nvGrpSpPr>
+      <p:grpSpPr>
+        <a:xfrm>
+          <a:off x="0" y="0"/>
+          <a:ext cx="0" cy="0"/>
+          <a:chOff x="0" y="0"/>
+          <a:chExt cx="0" cy="0"/>
+        </a:xfrm>
+      </p:grpSpPr>
+      <p:sp>
+        <p:nvSpPr>
           <p:cNvPr id="3" name="标题 2"/>
           <p:cNvSpPr>
             <a:spLocks noGrp="1"/>
@@ -11357,8 +11382,8 @@
         </p:nvSpPr>
         <p:spPr>
           <a:xfrm>
-            <a:off x="593725" y="469264"/>
-            <a:ext cx="3846300" cy="2415337"/>
+            <a:off x="593725" y="469265"/>
+            <a:ext cx="3813175" cy="5591175"/>
           </a:xfrm>
         </p:spPr>
         <p:txBody>
@@ -11368,11 +11393,30 @@
           <a:lstStyle/>
           <a:p>
             <a:r>
+              <a:rPr lang="en-US" altLang="zh-CN" sz="4800" b="1" dirty="0">
+                <a:latin typeface="Times New Roman" panose="02020603050405020304" pitchFamily="18" charset="0"/>
+                <a:cs typeface="Times New Roman" panose="02020603050405020304" pitchFamily="18" charset="0"/>
+              </a:rPr>
+              <a:t>Conclusion </a:t>
+            </a:r>
+            <a:br>
+              <a:rPr lang="en-US" altLang="zh-CN" sz="4800" b="1" dirty="0">
+                <a:latin typeface="Times New Roman" panose="02020603050405020304" pitchFamily="18" charset="0"/>
+                <a:cs typeface="Times New Roman" panose="02020603050405020304" pitchFamily="18" charset="0"/>
+              </a:rPr>
+            </a:br>
+            <a:br>
               <a:rPr lang="en-US" altLang="zh-CN" sz="3100" b="1" dirty="0">
                 <a:latin typeface="Times New Roman" panose="02020603050405020304" pitchFamily="18" charset="0"/>
                 <a:cs typeface="Times New Roman" panose="02020603050405020304" pitchFamily="18" charset="0"/>
               </a:rPr>
-              <a:t>Conclusion </a:t>
+            </a:br>
+            <a:r>
+              <a:rPr lang="en-US" altLang="zh-CN" sz="3100" b="1" dirty="0">
+                <a:latin typeface="Times New Roman" panose="02020603050405020304" pitchFamily="18" charset="0"/>
+                <a:cs typeface="Times New Roman" panose="02020603050405020304" pitchFamily="18" charset="0"/>
+              </a:rPr>
+              <a:t>director</a:t>
             </a:r>
             <a:br>
               <a:rPr lang="en-US" altLang="zh-CN" sz="3100" b="1" dirty="0">
@@ -11393,6 +11437,29 @@
               </a:rPr>
             </a:br>
             <a:br>
+              <a:rPr lang="en-US" altLang="zh-CN" sz="3100" b="1" dirty="0">
+                <a:latin typeface="Times New Roman" panose="02020603050405020304" pitchFamily="18" charset="0"/>
+                <a:cs typeface="Times New Roman" panose="02020603050405020304" pitchFamily="18" charset="0"/>
+              </a:rPr>
+            </a:br>
+            <a:br>
+              <a:rPr lang="en-US" altLang="zh-CN" sz="3100" b="1" dirty="0">
+                <a:latin typeface="Times New Roman" panose="02020603050405020304" pitchFamily="18" charset="0"/>
+                <a:cs typeface="Times New Roman" panose="02020603050405020304" pitchFamily="18" charset="0"/>
+              </a:rPr>
+            </a:br>
+            <a:r>
+              <a:rPr lang="en-US" altLang="zh-CN" sz="2000" b="1" dirty="0"/>
+              <a:t>outlier:</a:t>
+            </a:r>
+            <a:br>
+              <a:rPr lang="en-US" altLang="zh-CN" sz="2000" b="1" dirty="0"/>
+            </a:br>
+            <a:r>
+              <a:rPr lang="en-US" altLang="zh-CN" sz="2000" b="1" dirty="0"/>
+              <a:t>Xrander Case</a:t>
+            </a:r>
+            <a:br>
               <a:rPr lang="zh-CN" altLang="en-US" sz="2000" b="1" dirty="0"/>
             </a:br>
             <a:endParaRPr lang="zh-CN" altLang="en-US" sz="2000" dirty="0"/>
@@ -11408,7 +11475,7 @@
           <p:nvPr/>
         </p:nvPicPr>
         <p:blipFill>
-          <a:blip r:embed="rId2">
+          <a:blip r:embed="rId1">
             <a:extLst>
               <a:ext uri="{28A0092B-C50C-407E-A947-70E740481C1C}">
                 <a14:useLocalDpi xmlns:a14="http://schemas.microsoft.com/office/drawing/2010/main" val="0"/>
@@ -11439,56 +11506,6 @@
           </a:effectLst>
         </p:spPr>
       </p:pic>
-      <p:sp>
-        <p:nvSpPr>
-          <p:cNvPr id="2" name="文本框 1">
-            <a:extLst>
-              <a:ext uri="{FF2B5EF4-FFF2-40B4-BE49-F238E27FC236}">
-                <a16:creationId xmlns:a16="http://schemas.microsoft.com/office/drawing/2014/main" id="{19498332-621B-4B7E-9C30-87DD1B00C95C}"/>
-              </a:ext>
-            </a:extLst>
-          </p:cNvPr>
-          <p:cNvSpPr txBox="1"/>
-          <p:nvPr/>
-        </p:nvSpPr>
-        <p:spPr>
-          <a:xfrm rot="16200000">
-            <a:off x="8099247" y="3945301"/>
-            <a:ext cx="892552" cy="4458879"/>
-          </a:xfrm>
-          <a:prstGeom prst="rect">
-            <a:avLst/>
-          </a:prstGeom>
-          <a:noFill/>
-        </p:spPr>
-        <p:txBody>
-          <a:bodyPr vert="eaVert" wrap="square" rtlCol="0">
-            <a:spAutoFit/>
-          </a:bodyPr>
-          <a:lstStyle/>
-          <a:p>
-            <a:br>
-              <a:rPr lang="en-US" altLang="zh-CN" sz="2800" b="1" dirty="0">
-                <a:latin typeface="Times New Roman" panose="02020603050405020304" pitchFamily="18" charset="0"/>
-                <a:cs typeface="Times New Roman" panose="02020603050405020304" pitchFamily="18" charset="0"/>
-              </a:rPr>
-            </a:br>
-            <a:r>
-              <a:rPr lang="en-US" altLang="zh-CN" b="1" dirty="0"/>
-              <a:t>outlier: </a:t>
-            </a:r>
-            <a:r>
-              <a:rPr lang="en-US" altLang="zh-CN" b="1" dirty="0" err="1"/>
-              <a:t>Xrander</a:t>
-            </a:r>
-            <a:r>
-              <a:rPr lang="en-US" altLang="zh-CN" b="1" dirty="0"/>
-              <a:t> Case</a:t>
-            </a:r>
-            <a:endParaRPr lang="zh-CN" altLang="en-US" dirty="0"/>
-          </a:p>
-        </p:txBody>
-      </p:sp>
     </p:spTree>
   </p:cSld>
   <p:clrMapOvr>
@@ -11497,7 +11514,7 @@
 </p:sld>
 </file>
 
-<file path=ppt/slides/slide12.xml><?xml version="1.0" encoding="utf-8"?>
+<file path=ppt/slides/slide13.xml><?xml version="1.0" encoding="utf-8"?>
 <p:sld xmlns:a="http://schemas.openxmlformats.org/drawingml/2006/main" xmlns:r="http://schemas.openxmlformats.org/officeDocument/2006/relationships" xmlns:p="http://schemas.openxmlformats.org/presentationml/2006/main">
   <p:cSld>
     <p:spTree>
@@ -11506,14 +11523,7 @@
         <p:cNvGrpSpPr/>
         <p:nvPr/>
       </p:nvGrpSpPr>
-      <p:grpSpPr>
-        <a:xfrm>
-          <a:off x="0" y="0"/>
-          <a:ext cx="0" cy="0"/>
-          <a:chOff x="0" y="0"/>
-          <a:chExt cx="0" cy="0"/>
-        </a:xfrm>
-      </p:grpSpPr>
+      <p:grpSpPr/>
       <p:sp>
         <p:nvSpPr>
           <p:cNvPr id="2" name="标题 1"/>
@@ -11532,9 +11542,8 @@
         </p:spPr>
         <p:txBody>
           <a:bodyPr>
-            <a:normAutofit/>
+            <a:normAutofit fontScale="90000"/>
           </a:bodyPr>
-          <a:lstStyle/>
           <a:p>
             <a:r>
               <a:rPr lang="en-US" altLang="zh-CN" b="1" dirty="0">
@@ -11557,7 +11566,7 @@
           <p:nvPr/>
         </p:nvPicPr>
         <p:blipFill>
-          <a:blip r:embed="rId2">
+          <a:blip r:embed="rId1">
             <a:extLst>
               <a:ext uri="{28A0092B-C50C-407E-A947-70E740481C1C}">
                 <a14:useLocalDpi xmlns:a14="http://schemas.microsoft.com/office/drawing/2010/main" val="0"/>
@@ -11586,7 +11595,7 @@
 </p:sld>
 </file>
 
-<file path=ppt/slides/slide13.xml><?xml version="1.0" encoding="utf-8"?>
+<file path=ppt/slides/slide14.xml><?xml version="1.0" encoding="utf-8"?>
 <p:sld xmlns:a="http://schemas.openxmlformats.org/drawingml/2006/main" xmlns:r="http://schemas.openxmlformats.org/officeDocument/2006/relationships" xmlns:p="http://schemas.openxmlformats.org/presentationml/2006/main">
   <p:cSld>
     <p:spTree>
@@ -11714,7 +11723,7 @@
             <p:nvPr/>
           </p:nvPicPr>
           <p:blipFill>
-            <a:blip r:embed="rId2">
+            <a:blip r:embed="rId1">
               <a:extLst>
                 <a:ext uri="{28A0092B-C50C-407E-A947-70E740481C1C}">
                   <a14:useLocalDpi xmlns:a14="http://schemas.microsoft.com/office/drawing/2010/main" val="0"/>
@@ -11744,7 +11753,7 @@
             <p:nvPr/>
           </p:nvPicPr>
           <p:blipFill>
-            <a:blip r:embed="rId3">
+            <a:blip r:embed="rId2">
               <a:extLst>
                 <a:ext uri="{28A0092B-C50C-407E-A947-70E740481C1C}">
                   <a14:useLocalDpi xmlns:a14="http://schemas.microsoft.com/office/drawing/2010/main" val="0"/>
@@ -11774,7 +11783,7 @@
             <p:nvPr/>
           </p:nvPicPr>
           <p:blipFill>
-            <a:blip r:embed="rId4">
+            <a:blip r:embed="rId3">
               <a:extLst>
                 <a:ext uri="{28A0092B-C50C-407E-A947-70E740481C1C}">
                   <a14:useLocalDpi xmlns:a14="http://schemas.microsoft.com/office/drawing/2010/main" val="0"/>
@@ -11804,7 +11813,7 @@
             <p:nvPr/>
           </p:nvPicPr>
           <p:blipFill>
-            <a:blip r:embed="rId5" cstate="print">
+            <a:blip r:embed="rId4" cstate="print">
               <a:extLst>
                 <a:ext uri="{28A0092B-C50C-407E-A947-70E740481C1C}">
                   <a14:useLocalDpi xmlns:a14="http://schemas.microsoft.com/office/drawing/2010/main" val="0"/>
@@ -11834,7 +11843,7 @@
             <p:nvPr/>
           </p:nvPicPr>
           <p:blipFill>
-            <a:blip r:embed="rId6">
+            <a:blip r:embed="rId5">
               <a:extLst>
                 <a:ext uri="{28A0092B-C50C-407E-A947-70E740481C1C}">
                   <a14:useLocalDpi xmlns:a14="http://schemas.microsoft.com/office/drawing/2010/main" val="0"/>
@@ -11864,7 +11873,7 @@
             <p:nvPr/>
           </p:nvPicPr>
           <p:blipFill>
-            <a:blip r:embed="rId7">
+            <a:blip r:embed="rId6">
               <a:extLst>
                 <a:ext uri="{28A0092B-C50C-407E-A947-70E740481C1C}">
                   <a14:useLocalDpi xmlns:a14="http://schemas.microsoft.com/office/drawing/2010/main" val="0"/>
@@ -11895,7 +11904,7 @@
           <p:nvPr/>
         </p:nvPicPr>
         <p:blipFill>
-          <a:blip r:embed="rId8" cstate="print">
+          <a:blip r:embed="rId7" cstate="print">
             <a:extLst>
               <a:ext uri="{28A0092B-C50C-407E-A947-70E740481C1C}">
                 <a14:useLocalDpi xmlns:a14="http://schemas.microsoft.com/office/drawing/2010/main" val="0"/>
@@ -11953,7 +11962,7 @@
         </p:xfrm>
         <a:graphic>
           <a:graphicData uri="http://schemas.openxmlformats.org/drawingml/2006/diagram">
-            <dgm:relIds xmlns:dgm="http://schemas.openxmlformats.org/drawingml/2006/diagram" xmlns:r="http://schemas.openxmlformats.org/officeDocument/2006/relationships" r:dm="rId2" r:lo="rId3" r:qs="rId4" r:cs="rId5"/>
+            <dgm:relIds xmlns:dgm="http://schemas.openxmlformats.org/drawingml/2006/diagram" xmlns:r="http://schemas.openxmlformats.org/officeDocument/2006/relationships" r:dm="rId1" r:lo="rId2" r:qs="rId3" r:cs="rId4"/>
           </a:graphicData>
         </a:graphic>
       </p:graphicFrame>
@@ -12164,7 +12173,7 @@
           <p:nvPr/>
         </p:nvPicPr>
         <p:blipFill>
-          <a:blip r:embed="rId7">
+          <a:blip r:embed="rId6">
             <a:extLst>
               <a:ext uri="{28A0092B-C50C-407E-A947-70E740481C1C}">
                 <a14:useLocalDpi xmlns:a14="http://schemas.microsoft.com/office/drawing/2010/main" val="0"/>
@@ -12208,7 +12217,7 @@
             <p:nvPr/>
           </p:nvPicPr>
           <p:blipFill>
-            <a:blip r:embed="rId8">
+            <a:blip r:embed="rId7">
               <a:extLst>
                 <a:ext uri="{28A0092B-C50C-407E-A947-70E740481C1C}">
                   <a14:useLocalDpi xmlns:a14="http://schemas.microsoft.com/office/drawing/2010/main" val="0"/>
@@ -12238,7 +12247,7 @@
             <p:nvPr/>
           </p:nvPicPr>
           <p:blipFill>
-            <a:blip r:embed="rId9">
+            <a:blip r:embed="rId8">
               <a:extLst>
                 <a:ext uri="{28A0092B-C50C-407E-A947-70E740481C1C}">
                   <a14:useLocalDpi xmlns:a14="http://schemas.microsoft.com/office/drawing/2010/main" val="0"/>
@@ -12268,7 +12277,7 @@
             <p:nvPr/>
           </p:nvPicPr>
           <p:blipFill>
-            <a:blip r:embed="rId10">
+            <a:blip r:embed="rId9">
               <a:extLst>
                 <a:ext uri="{28A0092B-C50C-407E-A947-70E740481C1C}">
                   <a14:useLocalDpi xmlns:a14="http://schemas.microsoft.com/office/drawing/2010/main" val="0"/>
@@ -12298,7 +12307,7 @@
             <p:nvPr/>
           </p:nvPicPr>
           <p:blipFill>
-            <a:blip r:embed="rId11">
+            <a:blip r:embed="rId10">
               <a:extLst>
                 <a:ext uri="{28A0092B-C50C-407E-A947-70E740481C1C}">
                   <a14:useLocalDpi xmlns:a14="http://schemas.microsoft.com/office/drawing/2010/main" val="0"/>
@@ -12328,7 +12337,7 @@
             <p:nvPr/>
           </p:nvPicPr>
           <p:blipFill>
-            <a:blip r:embed="rId12">
+            <a:blip r:embed="rId11">
               <a:extLst>
                 <a:ext uri="{28A0092B-C50C-407E-A947-70E740481C1C}">
                   <a14:useLocalDpi xmlns:a14="http://schemas.microsoft.com/office/drawing/2010/main" val="0"/>
@@ -12358,7 +12367,7 @@
             <p:nvPr/>
           </p:nvPicPr>
           <p:blipFill>
-            <a:blip r:embed="rId13">
+            <a:blip r:embed="rId12">
               <a:extLst>
                 <a:ext uri="{28A0092B-C50C-407E-A947-70E740481C1C}">
                   <a14:useLocalDpi xmlns:a14="http://schemas.microsoft.com/office/drawing/2010/main" val="0"/>
@@ -12435,7 +12444,7 @@
           </p:nvPr>
         </p:nvPicPr>
         <p:blipFill>
-          <a:blip r:embed="rId2">
+          <a:blip r:embed="rId1">
             <a:extLst>
               <a:ext uri="{28A0092B-C50C-407E-A947-70E740481C1C}">
                 <a14:useLocalDpi xmlns:a14="http://schemas.microsoft.com/office/drawing/2010/main" val="0"/>
@@ -12492,7 +12501,7 @@
           </p:nvPr>
         </p:nvPicPr>
         <p:blipFill>
-          <a:blip r:embed="rId3">
+          <a:blip r:embed="rId2">
             <a:extLst>
               <a:ext uri="{28A0092B-C50C-407E-A947-70E740481C1C}">
                 <a14:useLocalDpi xmlns:a14="http://schemas.microsoft.com/office/drawing/2010/main" val="0"/>
@@ -12556,6 +12565,267 @@
 </file>
 
 <file path=ppt/slides/slide4.xml><?xml version="1.0" encoding="utf-8"?>
+<p:sld xmlns:a="http://schemas.openxmlformats.org/drawingml/2006/main" xmlns:r="http://schemas.openxmlformats.org/officeDocument/2006/relationships" xmlns:p="http://schemas.openxmlformats.org/presentationml/2006/main">
+  <p:cSld>
+    <p:spTree>
+      <p:nvGrpSpPr>
+        <p:cNvPr id="1" name=""/>
+        <p:cNvGrpSpPr/>
+        <p:nvPr/>
+      </p:nvGrpSpPr>
+      <p:grpSpPr/>
+      <p:sp>
+        <p:nvSpPr>
+          <p:cNvPr id="3" name="副标题 2"/>
+          <p:cNvSpPr>
+            <a:spLocks noGrp="1"/>
+          </p:cNvSpPr>
+          <p:nvPr>
+            <p:ph type="subTitle" idx="1"/>
+          </p:nvPr>
+        </p:nvSpPr>
+        <p:spPr/>
+        <p:txBody>
+          <a:bodyPr/>
+          <a:p>
+            <a:endParaRPr lang="zh-CN" altLang="en-US"/>
+          </a:p>
+        </p:txBody>
+      </p:sp>
+      <p:grpSp>
+        <p:nvGrpSpPr>
+          <p:cNvPr id="26" name="组合 25"/>
+          <p:cNvGrpSpPr/>
+          <p:nvPr/>
+        </p:nvGrpSpPr>
+        <p:grpSpPr>
+          <a:xfrm>
+            <a:off x="51500" y="1785824"/>
+            <a:ext cx="12153770" cy="3698671"/>
+            <a:chOff x="19115" y="3159329"/>
+            <a:chExt cx="12153770" cy="3698671"/>
+          </a:xfrm>
+        </p:grpSpPr>
+        <p:pic>
+          <p:nvPicPr>
+            <p:cNvPr id="9" name="图片 8"/>
+            <p:cNvPicPr>
+              <a:picLocks noChangeAspect="1"/>
+            </p:cNvPicPr>
+            <p:nvPr/>
+          </p:nvPicPr>
+          <p:blipFill>
+            <a:blip r:embed="rId1">
+              <a:extLst>
+                <a:ext uri="{28A0092B-C50C-407E-A947-70E740481C1C}">
+                  <a14:useLocalDpi xmlns:a14="http://schemas.microsoft.com/office/drawing/2010/main" val="0"/>
+                </a:ext>
+              </a:extLst>
+            </a:blip>
+            <a:stretch>
+              <a:fillRect/>
+            </a:stretch>
+          </p:blipFill>
+          <p:spPr>
+            <a:xfrm>
+              <a:off x="19115" y="4305300"/>
+              <a:ext cx="1733550" cy="2552700"/>
+            </a:xfrm>
+            <a:prstGeom prst="rect">
+              <a:avLst/>
+            </a:prstGeom>
+          </p:spPr>
+        </p:pic>
+        <p:pic>
+          <p:nvPicPr>
+            <p:cNvPr id="11" name="图片 10"/>
+            <p:cNvPicPr>
+              <a:picLocks noChangeAspect="1"/>
+            </p:cNvPicPr>
+            <p:nvPr/>
+          </p:nvPicPr>
+          <p:blipFill>
+            <a:blip r:embed="rId2">
+              <a:extLst>
+                <a:ext uri="{28A0092B-C50C-407E-A947-70E740481C1C}">
+                  <a14:useLocalDpi xmlns:a14="http://schemas.microsoft.com/office/drawing/2010/main" val="0"/>
+                </a:ext>
+              </a:extLst>
+            </a:blip>
+            <a:stretch>
+              <a:fillRect/>
+            </a:stretch>
+          </p:blipFill>
+          <p:spPr>
+            <a:xfrm>
+              <a:off x="1605235" y="3545408"/>
+              <a:ext cx="1733550" cy="2552700"/>
+            </a:xfrm>
+            <a:prstGeom prst="rect">
+              <a:avLst/>
+            </a:prstGeom>
+          </p:spPr>
+        </p:pic>
+        <p:pic>
+          <p:nvPicPr>
+            <p:cNvPr id="13" name="图片 12"/>
+            <p:cNvPicPr>
+              <a:picLocks noChangeAspect="1"/>
+            </p:cNvPicPr>
+            <p:nvPr/>
+          </p:nvPicPr>
+          <p:blipFill>
+            <a:blip r:embed="rId3">
+              <a:extLst>
+                <a:ext uri="{28A0092B-C50C-407E-A947-70E740481C1C}">
+                  <a14:useLocalDpi xmlns:a14="http://schemas.microsoft.com/office/drawing/2010/main" val="0"/>
+                </a:ext>
+              </a:extLst>
+            </a:blip>
+            <a:stretch>
+              <a:fillRect/>
+            </a:stretch>
+          </p:blipFill>
+          <p:spPr>
+            <a:xfrm>
+              <a:off x="3338785" y="3985717"/>
+              <a:ext cx="1847850" cy="2466975"/>
+            </a:xfrm>
+            <a:prstGeom prst="rect">
+              <a:avLst/>
+            </a:prstGeom>
+          </p:spPr>
+        </p:pic>
+        <p:pic>
+          <p:nvPicPr>
+            <p:cNvPr id="15" name="图片 14"/>
+            <p:cNvPicPr>
+              <a:picLocks noChangeAspect="1"/>
+            </p:cNvPicPr>
+            <p:nvPr/>
+          </p:nvPicPr>
+          <p:blipFill>
+            <a:blip r:embed="rId4">
+              <a:extLst>
+                <a:ext uri="{28A0092B-C50C-407E-A947-70E740481C1C}">
+                  <a14:useLocalDpi xmlns:a14="http://schemas.microsoft.com/office/drawing/2010/main" val="0"/>
+                </a:ext>
+              </a:extLst>
+            </a:blip>
+            <a:stretch>
+              <a:fillRect/>
+            </a:stretch>
+          </p:blipFill>
+          <p:spPr>
+            <a:xfrm>
+              <a:off x="5196807" y="3159329"/>
+              <a:ext cx="1733550" cy="2552700"/>
+            </a:xfrm>
+            <a:prstGeom prst="rect">
+              <a:avLst/>
+            </a:prstGeom>
+          </p:spPr>
+        </p:pic>
+        <p:pic>
+          <p:nvPicPr>
+            <p:cNvPr id="17" name="图片 16"/>
+            <p:cNvPicPr>
+              <a:picLocks noChangeAspect="1"/>
+            </p:cNvPicPr>
+            <p:nvPr/>
+          </p:nvPicPr>
+          <p:blipFill>
+            <a:blip r:embed="rId5">
+              <a:extLst>
+                <a:ext uri="{28A0092B-C50C-407E-A947-70E740481C1C}">
+                  <a14:useLocalDpi xmlns:a14="http://schemas.microsoft.com/office/drawing/2010/main" val="0"/>
+                </a:ext>
+              </a:extLst>
+            </a:blip>
+            <a:stretch>
+              <a:fillRect/>
+            </a:stretch>
+          </p:blipFill>
+          <p:spPr>
+            <a:xfrm>
+              <a:off x="6920185" y="4200525"/>
+              <a:ext cx="1781175" cy="2571750"/>
+            </a:xfrm>
+            <a:prstGeom prst="rect">
+              <a:avLst/>
+            </a:prstGeom>
+          </p:spPr>
+        </p:pic>
+        <p:pic>
+          <p:nvPicPr>
+            <p:cNvPr id="21" name="图片 20"/>
+            <p:cNvPicPr>
+              <a:picLocks noChangeAspect="1"/>
+            </p:cNvPicPr>
+            <p:nvPr/>
+          </p:nvPicPr>
+          <p:blipFill>
+            <a:blip r:embed="rId6">
+              <a:extLst>
+                <a:ext uri="{28A0092B-C50C-407E-A947-70E740481C1C}">
+                  <a14:useLocalDpi xmlns:a14="http://schemas.microsoft.com/office/drawing/2010/main" val="0"/>
+                </a:ext>
+              </a:extLst>
+            </a:blip>
+            <a:stretch>
+              <a:fillRect/>
+            </a:stretch>
+          </p:blipFill>
+          <p:spPr>
+            <a:xfrm>
+              <a:off x="10325035" y="4305300"/>
+              <a:ext cx="1847850" cy="2466975"/>
+            </a:xfrm>
+            <a:prstGeom prst="rect">
+              <a:avLst/>
+            </a:prstGeom>
+          </p:spPr>
+        </p:pic>
+        <p:pic>
+          <p:nvPicPr>
+            <p:cNvPr id="25" name="图片 24"/>
+            <p:cNvPicPr>
+              <a:picLocks noChangeAspect="1"/>
+            </p:cNvPicPr>
+            <p:nvPr/>
+          </p:nvPicPr>
+          <p:blipFill>
+            <a:blip r:embed="rId7">
+              <a:extLst>
+                <a:ext uri="{28A0092B-C50C-407E-A947-70E740481C1C}">
+                  <a14:useLocalDpi xmlns:a14="http://schemas.microsoft.com/office/drawing/2010/main" val="0"/>
+                </a:ext>
+              </a:extLst>
+            </a:blip>
+            <a:stretch>
+              <a:fillRect/>
+            </a:stretch>
+          </p:blipFill>
+          <p:spPr>
+            <a:xfrm>
+              <a:off x="8585765" y="3766820"/>
+              <a:ext cx="1733550" cy="2552700"/>
+            </a:xfrm>
+            <a:prstGeom prst="rect">
+              <a:avLst/>
+            </a:prstGeom>
+          </p:spPr>
+        </p:pic>
+      </p:grpSp>
+    </p:spTree>
+  </p:cSld>
+  <p:clrMapOvr>
+    <a:masterClrMapping/>
+  </p:clrMapOvr>
+</p:sld>
+</file>
+
+<file path=ppt/slides/slide5.xml><?xml version="1.0" encoding="utf-8"?>
 <p:sld xmlns:a="http://schemas.openxmlformats.org/drawingml/2006/main" xmlns:r="http://schemas.openxmlformats.org/officeDocument/2006/relationships" xmlns:p="http://schemas.openxmlformats.org/presentationml/2006/main">
   <p:cSld>
     <p:spTree>
@@ -12638,6 +12908,10 @@
               </a:rPr>
               <a:t>, Twitter, Weibo</a:t>
             </a:r>
+            <a:endParaRPr lang="en-US" altLang="zh-CN" sz="2400" dirty="0">
+              <a:latin typeface="Times New Roman" panose="02020603050405020304" pitchFamily="18" charset="0"/>
+              <a:cs typeface="Times New Roman" panose="02020603050405020304" pitchFamily="18" charset="0"/>
+            </a:endParaRPr>
           </a:p>
           <a:p>
             <a:endParaRPr lang="zh-CN" altLang="en-US" dirty="0"/>
@@ -12653,7 +12927,7 @@
           <p:nvPr/>
         </p:nvPicPr>
         <p:blipFill>
-          <a:blip r:embed="rId2">
+          <a:blip r:embed="rId1">
             <a:extLst>
               <a:ext uri="{28A0092B-C50C-407E-A947-70E740481C1C}">
                 <a14:useLocalDpi xmlns:a14="http://schemas.microsoft.com/office/drawing/2010/main" val="0"/>
@@ -12683,7 +12957,7 @@
           <p:nvPr/>
         </p:nvPicPr>
         <p:blipFill>
-          <a:blip r:embed="rId3">
+          <a:blip r:embed="rId2">
             <a:extLst>
               <a:ext uri="{28A0092B-C50C-407E-A947-70E740481C1C}">
                 <a14:useLocalDpi xmlns:a14="http://schemas.microsoft.com/office/drawing/2010/main" val="0"/>
@@ -12713,7 +12987,7 @@
           <p:nvPr/>
         </p:nvPicPr>
         <p:blipFill>
-          <a:blip r:embed="rId4">
+          <a:blip r:embed="rId3">
             <a:extLst>
               <a:ext uri="{28A0092B-C50C-407E-A947-70E740481C1C}">
                 <a14:useLocalDpi xmlns:a14="http://schemas.microsoft.com/office/drawing/2010/main" val="0"/>
@@ -12743,7 +13017,7 @@
           <p:nvPr/>
         </p:nvPicPr>
         <p:blipFill>
-          <a:blip r:embed="rId5">
+          <a:blip r:embed="rId4">
             <a:extLst>
               <a:ext uri="{28A0092B-C50C-407E-A947-70E740481C1C}">
                 <a14:useLocalDpi xmlns:a14="http://schemas.microsoft.com/office/drawing/2010/main" val="0"/>
@@ -12773,7 +13047,7 @@
           <p:nvPr/>
         </p:nvPicPr>
         <p:blipFill>
-          <a:blip r:embed="rId6">
+          <a:blip r:embed="rId5">
             <a:extLst>
               <a:ext uri="{28A0092B-C50C-407E-A947-70E740481C1C}">
                 <a14:useLocalDpi xmlns:a14="http://schemas.microsoft.com/office/drawing/2010/main" val="0"/>
@@ -12803,7 +13077,7 @@
           <p:nvPr/>
         </p:nvPicPr>
         <p:blipFill>
-          <a:blip r:embed="rId7">
+          <a:blip r:embed="rId6">
             <a:extLst>
               <a:ext uri="{28A0092B-C50C-407E-A947-70E740481C1C}">
                 <a14:useLocalDpi xmlns:a14="http://schemas.microsoft.com/office/drawing/2010/main" val="0"/>
@@ -12832,7 +13106,7 @@
 </p:sld>
 </file>
 
-<file path=ppt/slides/slide5.xml><?xml version="1.0" encoding="utf-8"?>
+<file path=ppt/slides/slide6.xml><?xml version="1.0" encoding="utf-8"?>
 <p:sld xmlns:a="http://schemas.openxmlformats.org/drawingml/2006/main" xmlns:r="http://schemas.openxmlformats.org/officeDocument/2006/relationships" xmlns:p="http://schemas.openxmlformats.org/presentationml/2006/main">
   <p:cSld>
     <p:spTree>
@@ -12861,7 +13135,7 @@
         </p:xfrm>
         <a:graphic>
           <a:graphicData uri="http://schemas.openxmlformats.org/drawingml/2006/diagram">
-            <dgm:relIds xmlns:dgm="http://schemas.openxmlformats.org/drawingml/2006/diagram" xmlns:r="http://schemas.openxmlformats.org/officeDocument/2006/relationships" r:dm="rId2" r:lo="rId3" r:qs="rId4" r:cs="rId5"/>
+            <dgm:relIds xmlns:dgm="http://schemas.openxmlformats.org/drawingml/2006/diagram" xmlns:r="http://schemas.openxmlformats.org/officeDocument/2006/relationships" r:dm="rId1" r:lo="rId2" r:qs="rId3" r:cs="rId4"/>
           </a:graphicData>
         </a:graphic>
       </p:graphicFrame>
@@ -12874,7 +13148,7 @@
           <p:nvPr/>
         </p:nvPicPr>
         <p:blipFill>
-          <a:blip r:embed="rId7">
+          <a:blip r:embed="rId6">
             <a:extLst>
               <a:ext uri="{28A0092B-C50C-407E-A947-70E740481C1C}">
                 <a14:useLocalDpi xmlns:a14="http://schemas.microsoft.com/office/drawing/2010/main" val="0"/>
@@ -12917,7 +13191,7 @@
           <p:nvPr/>
         </p:nvPicPr>
         <p:blipFill>
-          <a:blip r:embed="rId8" cstate="print">
+          <a:blip r:embed="rId7" cstate="print">
             <a:extLst>
               <a:ext uri="{28A0092B-C50C-407E-A947-70E740481C1C}">
                 <a14:useLocalDpi xmlns:a14="http://schemas.microsoft.com/office/drawing/2010/main" val="0"/>
@@ -12960,7 +13234,7 @@
           <p:nvPr/>
         </p:nvPicPr>
         <p:blipFill>
-          <a:blip r:embed="rId9" cstate="print">
+          <a:blip r:embed="rId8" cstate="print">
             <a:extLst>
               <a:ext uri="{28A0092B-C50C-407E-A947-70E740481C1C}">
                 <a14:useLocalDpi xmlns:a14="http://schemas.microsoft.com/office/drawing/2010/main" val="0"/>
@@ -13023,7 +13297,7 @@
 </p:sld>
 </file>
 
-<file path=ppt/slides/slide6.xml><?xml version="1.0" encoding="utf-8"?>
+<file path=ppt/slides/slide7.xml><?xml version="1.0" encoding="utf-8"?>
 <p:sld xmlns:a="http://schemas.openxmlformats.org/drawingml/2006/main" xmlns:r="http://schemas.openxmlformats.org/officeDocument/2006/relationships" xmlns:p="http://schemas.openxmlformats.org/presentationml/2006/main">
   <p:cSld>
     <p:spTree>
@@ -13104,7 +13378,7 @@
           <p:nvPr/>
         </p:nvPicPr>
         <p:blipFill>
-          <a:blip r:embed="rId2">
+          <a:blip r:embed="rId1">
             <a:extLst>
               <a:ext uri="{28A0092B-C50C-407E-A947-70E740481C1C}">
                 <a14:useLocalDpi xmlns:a14="http://schemas.microsoft.com/office/drawing/2010/main" val="0"/>
@@ -13134,7 +13408,7 @@
           <p:nvPr/>
         </p:nvPicPr>
         <p:blipFill>
-          <a:blip r:embed="rId3">
+          <a:blip r:embed="rId2">
             <a:extLst>
               <a:ext uri="{28A0092B-C50C-407E-A947-70E740481C1C}">
                 <a14:useLocalDpi xmlns:a14="http://schemas.microsoft.com/office/drawing/2010/main" val="0"/>
@@ -13164,7 +13438,7 @@
           <p:nvPr/>
         </p:nvPicPr>
         <p:blipFill>
-          <a:blip r:embed="rId4" cstate="print">
+          <a:blip r:embed="rId3">
             <a:extLst>
               <a:ext uri="{28A0092B-C50C-407E-A947-70E740481C1C}">
                 <a14:useLocalDpi xmlns:a14="http://schemas.microsoft.com/office/drawing/2010/main" val="0"/>
@@ -13194,7 +13468,7 @@
           <p:nvPr/>
         </p:nvPicPr>
         <p:blipFill>
-          <a:blip r:embed="rId5">
+          <a:blip r:embed="rId4">
             <a:extLst>
               <a:ext uri="{28A0092B-C50C-407E-A947-70E740481C1C}">
                 <a14:useLocalDpi xmlns:a14="http://schemas.microsoft.com/office/drawing/2010/main" val="0"/>
@@ -13224,7 +13498,7 @@
           <p:nvPr/>
         </p:nvPicPr>
         <p:blipFill>
-          <a:blip r:embed="rId4" cstate="print">
+          <a:blip r:embed="rId3">
             <a:extLst>
               <a:ext uri="{28A0092B-C50C-407E-A947-70E740481C1C}">
                 <a14:useLocalDpi xmlns:a14="http://schemas.microsoft.com/office/drawing/2010/main" val="0"/>
@@ -13239,95 +13513,6 @@
           <a:xfrm rot="4119296">
             <a:off x="9517565" y="4131543"/>
             <a:ext cx="914400" cy="914400"/>
-          </a:xfrm>
-          <a:prstGeom prst="rect">
-            <a:avLst/>
-          </a:prstGeom>
-        </p:spPr>
-      </p:pic>
-    </p:spTree>
-  </p:cSld>
-  <p:clrMapOvr>
-    <a:masterClrMapping/>
-  </p:clrMapOvr>
-</p:sld>
-</file>
-
-<file path=ppt/slides/slide7.xml><?xml version="1.0" encoding="utf-8"?>
-<p:sld xmlns:a="http://schemas.openxmlformats.org/drawingml/2006/main" xmlns:r="http://schemas.openxmlformats.org/officeDocument/2006/relationships" xmlns:p="http://schemas.openxmlformats.org/presentationml/2006/main">
-  <p:cSld>
-    <p:spTree>
-      <p:nvGrpSpPr>
-        <p:cNvPr id="1" name=""/>
-        <p:cNvGrpSpPr/>
-        <p:nvPr/>
-      </p:nvGrpSpPr>
-      <p:grpSpPr>
-        <a:xfrm>
-          <a:off x="0" y="0"/>
-          <a:ext cx="0" cy="0"/>
-          <a:chOff x="0" y="0"/>
-          <a:chExt cx="0" cy="0"/>
-        </a:xfrm>
-      </p:grpSpPr>
-      <p:sp>
-        <p:nvSpPr>
-          <p:cNvPr id="2" name="标题 1"/>
-          <p:cNvSpPr>
-            <a:spLocks noGrp="1"/>
-          </p:cNvSpPr>
-          <p:nvPr>
-            <p:ph type="title"/>
-          </p:nvPr>
-        </p:nvSpPr>
-        <p:spPr>
-          <a:xfrm>
-            <a:off x="652087" y="0"/>
-            <a:ext cx="10515600" cy="1325562"/>
-          </a:xfrm>
-        </p:spPr>
-        <p:txBody>
-          <a:bodyPr/>
-          <a:lstStyle/>
-          <a:p>
-            <a:r>
-              <a:rPr lang="en-US" altLang="zh-CN" b="1" dirty="0"/>
-              <a:t>Data Analysis and Visualization</a:t>
-            </a:r>
-            <a:endParaRPr lang="zh-CN" altLang="en-US" dirty="0"/>
-          </a:p>
-        </p:txBody>
-      </p:sp>
-      <p:pic>
-        <p:nvPicPr>
-          <p:cNvPr id="8" name="图片 7">
-            <a:extLst>
-              <a:ext uri="{FF2B5EF4-FFF2-40B4-BE49-F238E27FC236}">
-                <a16:creationId xmlns:a16="http://schemas.microsoft.com/office/drawing/2014/main" id="{D0718775-787C-4D82-8072-A1BFFE4BE367}"/>
-              </a:ext>
-            </a:extLst>
-          </p:cNvPr>
-          <p:cNvPicPr>
-            <a:picLocks noChangeAspect="1"/>
-          </p:cNvPicPr>
-          <p:nvPr/>
-        </p:nvPicPr>
-        <p:blipFill>
-          <a:blip r:embed="rId2">
-            <a:extLst>
-              <a:ext uri="{28A0092B-C50C-407E-A947-70E740481C1C}">
-                <a14:useLocalDpi xmlns:a14="http://schemas.microsoft.com/office/drawing/2010/main" val="0"/>
-              </a:ext>
-            </a:extLst>
-          </a:blip>
-          <a:stretch>
-            <a:fillRect/>
-          </a:stretch>
-        </p:blipFill>
-        <p:spPr>
-          <a:xfrm>
-            <a:off x="1735513" y="1151709"/>
-            <a:ext cx="8871527" cy="5469868"/>
           </a:xfrm>
           <a:prstGeom prst="rect">
             <a:avLst/>
@@ -13378,37 +13563,28 @@
               <a:rPr lang="en-US" altLang="zh-CN" b="1" dirty="0"/>
               <a:t>Data Analysis and Visualization</a:t>
             </a:r>
-            <a:br>
-              <a:rPr lang="zh-CN" altLang="en-US" b="1" dirty="0"/>
-            </a:br>
             <a:endParaRPr lang="zh-CN" altLang="en-US" dirty="0"/>
           </a:p>
         </p:txBody>
       </p:sp>
       <p:pic>
         <p:nvPicPr>
-          <p:cNvPr id="4" name="图片 3"/>
+          <p:cNvPr id="3" name="图片 2"/>
           <p:cNvPicPr>
             <a:picLocks noChangeAspect="1"/>
           </p:cNvPicPr>
           <p:nvPr/>
         </p:nvPicPr>
         <p:blipFill>
-          <a:blip r:embed="rId2">
-            <a:extLst>
-              <a:ext uri="{28A0092B-C50C-407E-A947-70E740481C1C}">
-                <a14:useLocalDpi xmlns:a14="http://schemas.microsoft.com/office/drawing/2010/main" val="0"/>
-              </a:ext>
-            </a:extLst>
-          </a:blip>
+          <a:blip r:embed="rId1"/>
           <a:stretch>
             <a:fillRect/>
           </a:stretch>
         </p:blipFill>
         <p:spPr>
           <a:xfrm>
-            <a:off x="1409441" y="1145265"/>
-            <a:ext cx="8769801" cy="5346975"/>
+            <a:off x="1515745" y="1514475"/>
+            <a:ext cx="8646795" cy="4918075"/>
           </a:xfrm>
           <a:prstGeom prst="rect">
             <a:avLst/>
@@ -13475,7 +13651,7 @@
           <p:nvPr/>
         </p:nvPicPr>
         <p:blipFill>
-          <a:blip r:embed="rId2">
+          <a:blip r:embed="rId1">
             <a:extLst>
               <a:ext uri="{28A0092B-C50C-407E-A947-70E740481C1C}">
                 <a14:useLocalDpi xmlns:a14="http://schemas.microsoft.com/office/drawing/2010/main" val="0"/>
@@ -13518,7 +13694,7 @@
           <p:nvPr/>
         </p:nvPicPr>
         <p:blipFill>
-          <a:blip r:embed="rId3">
+          <a:blip r:embed="rId2">
             <a:extLst>
               <a:ext uri="{28A0092B-C50C-407E-A947-70E740481C1C}">
                 <a14:useLocalDpi xmlns:a14="http://schemas.microsoft.com/office/drawing/2010/main" val="0"/>
@@ -13561,7 +13737,7 @@
           <p:nvPr/>
         </p:nvPicPr>
         <p:blipFill>
-          <a:blip r:embed="rId4">
+          <a:blip r:embed="rId3">
             <a:extLst>
               <a:ext uri="{28A0092B-C50C-407E-A947-70E740481C1C}">
                 <a14:useLocalDpi xmlns:a14="http://schemas.microsoft.com/office/drawing/2010/main" val="0"/>
@@ -13604,7 +13780,7 @@
           <p:nvPr/>
         </p:nvPicPr>
         <p:blipFill>
-          <a:blip r:embed="rId5">
+          <a:blip r:embed="rId4">
             <a:extLst>
               <a:ext uri="{28A0092B-C50C-407E-A947-70E740481C1C}">
                 <a14:useLocalDpi xmlns:a14="http://schemas.microsoft.com/office/drawing/2010/main" val="0"/>
@@ -14007,8 +14183,6 @@
       </a:bgFillStyleLst>
     </a:fmtScheme>
   </a:themeElements>
-  <a:objectDefaults/>
-  <a:extraClrSchemeLst/>
   <a:extLst>
     <a:ext uri="{05A4C25C-085E-4340-85A3-A5531E510DB2}">
       <thm15:themeFamily xmlns:thm15="http://schemas.microsoft.com/office/thememl/2012/main" name="Office Theme" id="{62F939B6-93AF-4DB8-9C6B-D6C7DFDC589F}" vid="{4A3C46E8-61CC-4603-A589-7422A47A8E4A}"/>
@@ -14265,8 +14439,6 @@
       </a:bgFillStyleLst>
     </a:fmtScheme>
   </a:themeElements>
-  <a:objectDefaults/>
-  <a:extraClrSchemeLst/>
   <a:extLst>
     <a:ext uri="{05A4C25C-085E-4340-85A3-A5531E510DB2}">
       <thm15:themeFamily xmlns:thm15="http://schemas.microsoft.com/office/thememl/2012/main" name="Office Theme" id="{62F939B6-93AF-4DB8-9C6B-D6C7DFDC589F}" vid="{4A3C46E8-61CC-4603-A589-7422A47A8E4A}"/>
@@ -14523,8 +14695,6 @@
       </a:bgFillStyleLst>
     </a:fmtScheme>
   </a:themeElements>
-  <a:objectDefaults/>
-  <a:extraClrSchemeLst/>
   <a:extLst>
     <a:ext uri="{05A4C25C-085E-4340-85A3-A5531E510DB2}">
       <thm15:themeFamily xmlns:thm15="http://schemas.microsoft.com/office/thememl/2012/main" name="Office Theme" id="{62F939B6-93AF-4DB8-9C6B-D6C7DFDC589F}" vid="{4A3C46E8-61CC-4603-A589-7422A47A8E4A}"/>

--- a/Final Project(1).pptx
+++ b/Final Project(1).pptx
@@ -11234,36 +11234,6 @@
           </a:p>
         </p:txBody>
       </p:sp>
-      <p:pic>
-        <p:nvPicPr>
-          <p:cNvPr id="5" name="图片 4"/>
-          <p:cNvPicPr>
-            <a:picLocks noChangeAspect="1"/>
-          </p:cNvPicPr>
-          <p:nvPr/>
-        </p:nvPicPr>
-        <p:blipFill>
-          <a:blip r:embed="rId1">
-            <a:extLst>
-              <a:ext uri="{28A0092B-C50C-407E-A947-70E740481C1C}">
-                <a14:useLocalDpi xmlns:a14="http://schemas.microsoft.com/office/drawing/2010/main" val="0"/>
-              </a:ext>
-            </a:extLst>
-          </a:blip>
-          <a:stretch>
-            <a:fillRect/>
-          </a:stretch>
-        </p:blipFill>
-        <p:spPr>
-          <a:xfrm>
-            <a:off x="2946238" y="1968425"/>
-            <a:ext cx="6299524" cy="2921150"/>
-          </a:xfrm>
-          <a:prstGeom prst="rect">
-            <a:avLst/>
-          </a:prstGeom>
-        </p:spPr>
-      </p:pic>
     </p:spTree>
   </p:cSld>
   <p:clrMapOvr>
@@ -11317,28 +11287,22 @@
       </p:sp>
       <p:pic>
         <p:nvPicPr>
-          <p:cNvPr id="4" name="图片 3"/>
+          <p:cNvPr id="3" name="图片 2"/>
           <p:cNvPicPr>
             <a:picLocks noChangeAspect="1"/>
           </p:cNvPicPr>
           <p:nvPr/>
         </p:nvPicPr>
         <p:blipFill>
-          <a:blip r:embed="rId1">
-            <a:extLst>
-              <a:ext uri="{28A0092B-C50C-407E-A947-70E740481C1C}">
-                <a14:useLocalDpi xmlns:a14="http://schemas.microsoft.com/office/drawing/2010/main" val="0"/>
-              </a:ext>
-            </a:extLst>
-          </a:blip>
+          <a:blip r:embed="rId1"/>
           <a:stretch>
             <a:fillRect/>
           </a:stretch>
         </p:blipFill>
         <p:spPr>
           <a:xfrm>
-            <a:off x="1409441" y="1145265"/>
-            <a:ext cx="8769801" cy="5346975"/>
+            <a:off x="929640" y="1250950"/>
+            <a:ext cx="10332085" cy="5334635"/>
           </a:xfrm>
           <a:prstGeom prst="rect">
             <a:avLst/>
@@ -11411,13 +11375,6 @@
                 <a:cs typeface="Times New Roman" panose="02020603050405020304" pitchFamily="18" charset="0"/>
               </a:rPr>
             </a:br>
-            <a:r>
-              <a:rPr lang="en-US" altLang="zh-CN" sz="3100" b="1" dirty="0">
-                <a:latin typeface="Times New Roman" panose="02020603050405020304" pitchFamily="18" charset="0"/>
-                <a:cs typeface="Times New Roman" panose="02020603050405020304" pitchFamily="18" charset="0"/>
-              </a:rPr>
-              <a:t>director</a:t>
-            </a:r>
             <a:br>
               <a:rPr lang="en-US" altLang="zh-CN" sz="3100" b="1" dirty="0">
                 <a:latin typeface="Times New Roman" panose="02020603050405020304" pitchFamily="18" charset="0"/>
@@ -11442,23 +11399,6 @@
                 <a:cs typeface="Times New Roman" panose="02020603050405020304" pitchFamily="18" charset="0"/>
               </a:rPr>
             </a:br>
-            <a:br>
-              <a:rPr lang="en-US" altLang="zh-CN" sz="3100" b="1" dirty="0">
-                <a:latin typeface="Times New Roman" panose="02020603050405020304" pitchFamily="18" charset="0"/>
-                <a:cs typeface="Times New Roman" panose="02020603050405020304" pitchFamily="18" charset="0"/>
-              </a:rPr>
-            </a:br>
-            <a:r>
-              <a:rPr lang="en-US" altLang="zh-CN" sz="2000" b="1" dirty="0"/>
-              <a:t>outlier:</a:t>
-            </a:r>
-            <a:br>
-              <a:rPr lang="en-US" altLang="zh-CN" sz="2000" b="1" dirty="0"/>
-            </a:br>
-            <a:r>
-              <a:rPr lang="en-US" altLang="zh-CN" sz="2000" b="1" dirty="0"/>
-              <a:t>Xrander Case</a:t>
-            </a:r>
             <a:br>
               <a:rPr lang="zh-CN" altLang="en-US" sz="2000" b="1" dirty="0"/>
             </a:br>
